--- a/suiteRec-expt-result.pptx
+++ b/suiteRec-expt-result.pptx
@@ -1994,6 +1994,7 @@
               </a:p>
             </c:rich>
           </c:tx>
+          <c:layout/>
           <c:overlay val="0"/>
           <c:spPr>
             <a:noFill/>
@@ -2068,6 +2069,7 @@
     </c:plotArea>
     <c:legend>
       <c:legendPos val="b"/>
+      <c:layout/>
       <c:overlay val="0"/>
       <c:spPr>
         <a:noFill/>
@@ -2405,6 +2407,7 @@
               </a:p>
             </c:rich>
           </c:tx>
+          <c:layout/>
           <c:overlay val="0"/>
           <c:spPr>
             <a:noFill/>
@@ -2493,6 +2496,7 @@
     </c:plotArea>
     <c:legend>
       <c:legendPos val="b"/>
+      <c:layout/>
       <c:overlay val="0"/>
       <c:spPr>
         <a:noFill/>
@@ -3240,6 +3244,7 @@
               </a:p>
             </c:rich>
           </c:tx>
+          <c:layout/>
           <c:overlay val="0"/>
           <c:spPr>
             <a:noFill/>
@@ -3314,6 +3319,7 @@
     </c:plotArea>
     <c:legend>
       <c:legendPos val="b"/>
+      <c:layout/>
       <c:overlay val="0"/>
       <c:spPr>
         <a:noFill/>
@@ -3653,6 +3659,7 @@
               </a:p>
             </c:rich>
           </c:tx>
+          <c:layout/>
           <c:overlay val="0"/>
           <c:spPr>
             <a:noFill/>
@@ -3741,6 +3748,7 @@
     </c:plotArea>
     <c:legend>
       <c:legendPos val="b"/>
+      <c:layout/>
       <c:overlay val="0"/>
       <c:spPr>
         <a:noFill/>
@@ -4062,6 +4070,7 @@
               </a:p>
             </c:rich>
           </c:tx>
+          <c:layout/>
           <c:overlay val="0"/>
           <c:spPr>
             <a:noFill/>
@@ -4444,6 +4453,7 @@
               </a:p>
             </c:rich>
           </c:tx>
+          <c:layout/>
           <c:overlay val="0"/>
           <c:spPr>
             <a:noFill/>
@@ -9626,6 +9636,46 @@
 </cs:colorStyle>
 </file>
 
+<file path=ppt/charts/colors140.xml><?xml version="1.0" encoding="utf-8"?>
+<cs:colorStyle xmlns:cs="http://schemas.microsoft.com/office/drawing/2012/chartStyle" xmlns:a="http://schemas.openxmlformats.org/drawingml/2006/main" meth="cycle" id="10">
+  <a:schemeClr val="accent1"/>
+  <a:schemeClr val="accent2"/>
+  <a:schemeClr val="accent3"/>
+  <a:schemeClr val="accent4"/>
+  <a:schemeClr val="accent5"/>
+  <a:schemeClr val="accent6"/>
+  <cs:variation/>
+  <cs:variation>
+    <a:lumMod val="60000"/>
+  </cs:variation>
+  <cs:variation>
+    <a:lumMod val="80000"/>
+    <a:lumOff val="20000"/>
+  </cs:variation>
+  <cs:variation>
+    <a:lumMod val="80000"/>
+  </cs:variation>
+  <cs:variation>
+    <a:lumMod val="60000"/>
+    <a:lumOff val="40000"/>
+  </cs:variation>
+  <cs:variation>
+    <a:lumMod val="50000"/>
+  </cs:variation>
+  <cs:variation>
+    <a:lumMod val="70000"/>
+    <a:lumOff val="30000"/>
+  </cs:variation>
+  <cs:variation>
+    <a:lumMod val="70000"/>
+  </cs:variation>
+  <cs:variation>
+    <a:lumMod val="50000"/>
+    <a:lumOff val="50000"/>
+  </cs:variation>
+</cs:colorStyle>
+</file>
+
 <file path=ppt/charts/colors15.xml><?xml version="1.0" encoding="utf-8"?>
 <cs:colorStyle xmlns:cs="http://schemas.microsoft.com/office/drawing/2012/chartStyle" xmlns:a="http://schemas.openxmlformats.org/drawingml/2006/main" meth="cycle" id="10">
   <a:schemeClr val="accent1"/>
@@ -9666,7 +9716,87 @@
 </cs:colorStyle>
 </file>
 
+<file path=ppt/charts/colors150.xml><?xml version="1.0" encoding="utf-8"?>
+<cs:colorStyle xmlns:cs="http://schemas.microsoft.com/office/drawing/2012/chartStyle" xmlns:a="http://schemas.openxmlformats.org/drawingml/2006/main" meth="cycle" id="10">
+  <a:schemeClr val="accent1"/>
+  <a:schemeClr val="accent2"/>
+  <a:schemeClr val="accent3"/>
+  <a:schemeClr val="accent4"/>
+  <a:schemeClr val="accent5"/>
+  <a:schemeClr val="accent6"/>
+  <cs:variation/>
+  <cs:variation>
+    <a:lumMod val="60000"/>
+  </cs:variation>
+  <cs:variation>
+    <a:lumMod val="80000"/>
+    <a:lumOff val="20000"/>
+  </cs:variation>
+  <cs:variation>
+    <a:lumMod val="80000"/>
+  </cs:variation>
+  <cs:variation>
+    <a:lumMod val="60000"/>
+    <a:lumOff val="40000"/>
+  </cs:variation>
+  <cs:variation>
+    <a:lumMod val="50000"/>
+  </cs:variation>
+  <cs:variation>
+    <a:lumMod val="70000"/>
+    <a:lumOff val="30000"/>
+  </cs:variation>
+  <cs:variation>
+    <a:lumMod val="70000"/>
+  </cs:variation>
+  <cs:variation>
+    <a:lumMod val="50000"/>
+    <a:lumOff val="50000"/>
+  </cs:variation>
+</cs:colorStyle>
+</file>
+
 <file path=ppt/charts/colors16.xml><?xml version="1.0" encoding="utf-8"?>
+<cs:colorStyle xmlns:cs="http://schemas.microsoft.com/office/drawing/2012/chartStyle" xmlns:a="http://schemas.openxmlformats.org/drawingml/2006/main" meth="cycle" id="10">
+  <a:schemeClr val="accent1"/>
+  <a:schemeClr val="accent2"/>
+  <a:schemeClr val="accent3"/>
+  <a:schemeClr val="accent4"/>
+  <a:schemeClr val="accent5"/>
+  <a:schemeClr val="accent6"/>
+  <cs:variation/>
+  <cs:variation>
+    <a:lumMod val="60000"/>
+  </cs:variation>
+  <cs:variation>
+    <a:lumMod val="80000"/>
+    <a:lumOff val="20000"/>
+  </cs:variation>
+  <cs:variation>
+    <a:lumMod val="80000"/>
+  </cs:variation>
+  <cs:variation>
+    <a:lumMod val="60000"/>
+    <a:lumOff val="40000"/>
+  </cs:variation>
+  <cs:variation>
+    <a:lumMod val="50000"/>
+  </cs:variation>
+  <cs:variation>
+    <a:lumMod val="70000"/>
+    <a:lumOff val="30000"/>
+  </cs:variation>
+  <cs:variation>
+    <a:lumMod val="70000"/>
+  </cs:variation>
+  <cs:variation>
+    <a:lumMod val="50000"/>
+    <a:lumOff val="50000"/>
+  </cs:variation>
+</cs:colorStyle>
+</file>
+
+<file path=ppt/charts/colors160.xml><?xml version="1.0" encoding="utf-8"?>
 <cs:colorStyle xmlns:cs="http://schemas.microsoft.com/office/drawing/2012/chartStyle" xmlns:a="http://schemas.openxmlformats.org/drawingml/2006/main" meth="cycle" id="10">
   <a:schemeClr val="accent1"/>
   <a:schemeClr val="accent2"/>
@@ -9747,6 +9877,46 @@
 </file>
 
 <file path=ppt/charts/colors18.xml><?xml version="1.0" encoding="utf-8"?>
+<cs:colorStyle xmlns:cs="http://schemas.microsoft.com/office/drawing/2012/chartStyle" xmlns:a="http://schemas.openxmlformats.org/drawingml/2006/main" meth="cycle" id="10">
+  <a:schemeClr val="accent1"/>
+  <a:schemeClr val="accent2"/>
+  <a:schemeClr val="accent3"/>
+  <a:schemeClr val="accent4"/>
+  <a:schemeClr val="accent5"/>
+  <a:schemeClr val="accent6"/>
+  <cs:variation/>
+  <cs:variation>
+    <a:lumMod val="60000"/>
+  </cs:variation>
+  <cs:variation>
+    <a:lumMod val="80000"/>
+    <a:lumOff val="20000"/>
+  </cs:variation>
+  <cs:variation>
+    <a:lumMod val="80000"/>
+  </cs:variation>
+  <cs:variation>
+    <a:lumMod val="60000"/>
+    <a:lumOff val="40000"/>
+  </cs:variation>
+  <cs:variation>
+    <a:lumMod val="50000"/>
+  </cs:variation>
+  <cs:variation>
+    <a:lumMod val="70000"/>
+    <a:lumOff val="30000"/>
+  </cs:variation>
+  <cs:variation>
+    <a:lumMod val="70000"/>
+  </cs:variation>
+  <cs:variation>
+    <a:lumMod val="50000"/>
+    <a:lumOff val="50000"/>
+  </cs:variation>
+</cs:colorStyle>
+</file>
+
+<file path=ppt/charts/colors180.xml><?xml version="1.0" encoding="utf-8"?>
 <cs:colorStyle xmlns:cs="http://schemas.microsoft.com/office/drawing/2012/chartStyle" xmlns:a="http://schemas.openxmlformats.org/drawingml/2006/main" meth="cycle" id="10">
   <a:schemeClr val="accent1"/>
   <a:schemeClr val="accent2"/>
@@ -9907,166 +10077,6 @@
 </file>
 
 <file path=ppt/charts/colors21.xml><?xml version="1.0" encoding="utf-8"?>
-<cs:colorStyle xmlns:cs="http://schemas.microsoft.com/office/drawing/2012/chartStyle" xmlns:a="http://schemas.openxmlformats.org/drawingml/2006/main" meth="cycle" id="10">
-  <a:schemeClr val="accent1"/>
-  <a:schemeClr val="accent2"/>
-  <a:schemeClr val="accent3"/>
-  <a:schemeClr val="accent4"/>
-  <a:schemeClr val="accent5"/>
-  <a:schemeClr val="accent6"/>
-  <cs:variation/>
-  <cs:variation>
-    <a:lumMod val="60000"/>
-  </cs:variation>
-  <cs:variation>
-    <a:lumMod val="80000"/>
-    <a:lumOff val="20000"/>
-  </cs:variation>
-  <cs:variation>
-    <a:lumMod val="80000"/>
-  </cs:variation>
-  <cs:variation>
-    <a:lumMod val="60000"/>
-    <a:lumOff val="40000"/>
-  </cs:variation>
-  <cs:variation>
-    <a:lumMod val="50000"/>
-  </cs:variation>
-  <cs:variation>
-    <a:lumMod val="70000"/>
-    <a:lumOff val="30000"/>
-  </cs:variation>
-  <cs:variation>
-    <a:lumMod val="70000"/>
-  </cs:variation>
-  <cs:variation>
-    <a:lumMod val="50000"/>
-    <a:lumOff val="50000"/>
-  </cs:variation>
-</cs:colorStyle>
-</file>
-
-<file path=ppt/charts/colors22.xml><?xml version="1.0" encoding="utf-8"?>
-<cs:colorStyle xmlns:cs="http://schemas.microsoft.com/office/drawing/2012/chartStyle" xmlns:a="http://schemas.openxmlformats.org/drawingml/2006/main" meth="cycle" id="10">
-  <a:schemeClr val="accent1"/>
-  <a:schemeClr val="accent2"/>
-  <a:schemeClr val="accent3"/>
-  <a:schemeClr val="accent4"/>
-  <a:schemeClr val="accent5"/>
-  <a:schemeClr val="accent6"/>
-  <cs:variation/>
-  <cs:variation>
-    <a:lumMod val="60000"/>
-  </cs:variation>
-  <cs:variation>
-    <a:lumMod val="80000"/>
-    <a:lumOff val="20000"/>
-  </cs:variation>
-  <cs:variation>
-    <a:lumMod val="80000"/>
-  </cs:variation>
-  <cs:variation>
-    <a:lumMod val="60000"/>
-    <a:lumOff val="40000"/>
-  </cs:variation>
-  <cs:variation>
-    <a:lumMod val="50000"/>
-  </cs:variation>
-  <cs:variation>
-    <a:lumMod val="70000"/>
-    <a:lumOff val="30000"/>
-  </cs:variation>
-  <cs:variation>
-    <a:lumMod val="70000"/>
-  </cs:variation>
-  <cs:variation>
-    <a:lumMod val="50000"/>
-    <a:lumOff val="50000"/>
-  </cs:variation>
-</cs:colorStyle>
-</file>
-
-<file path=ppt/charts/colors23.xml><?xml version="1.0" encoding="utf-8"?>
-<cs:colorStyle xmlns:cs="http://schemas.microsoft.com/office/drawing/2012/chartStyle" xmlns:a="http://schemas.openxmlformats.org/drawingml/2006/main" meth="cycle" id="10">
-  <a:schemeClr val="accent1"/>
-  <a:schemeClr val="accent2"/>
-  <a:schemeClr val="accent3"/>
-  <a:schemeClr val="accent4"/>
-  <a:schemeClr val="accent5"/>
-  <a:schemeClr val="accent6"/>
-  <cs:variation/>
-  <cs:variation>
-    <a:lumMod val="60000"/>
-  </cs:variation>
-  <cs:variation>
-    <a:lumMod val="80000"/>
-    <a:lumOff val="20000"/>
-  </cs:variation>
-  <cs:variation>
-    <a:lumMod val="80000"/>
-  </cs:variation>
-  <cs:variation>
-    <a:lumMod val="60000"/>
-    <a:lumOff val="40000"/>
-  </cs:variation>
-  <cs:variation>
-    <a:lumMod val="50000"/>
-  </cs:variation>
-  <cs:variation>
-    <a:lumMod val="70000"/>
-    <a:lumOff val="30000"/>
-  </cs:variation>
-  <cs:variation>
-    <a:lumMod val="70000"/>
-  </cs:variation>
-  <cs:variation>
-    <a:lumMod val="50000"/>
-    <a:lumOff val="50000"/>
-  </cs:variation>
-</cs:colorStyle>
-</file>
-
-<file path=ppt/charts/colors24.xml><?xml version="1.0" encoding="utf-8"?>
-<cs:colorStyle xmlns:cs="http://schemas.microsoft.com/office/drawing/2012/chartStyle" xmlns:a="http://schemas.openxmlformats.org/drawingml/2006/main" meth="cycle" id="10">
-  <a:schemeClr val="accent1"/>
-  <a:schemeClr val="accent2"/>
-  <a:schemeClr val="accent3"/>
-  <a:schemeClr val="accent4"/>
-  <a:schemeClr val="accent5"/>
-  <a:schemeClr val="accent6"/>
-  <cs:variation/>
-  <cs:variation>
-    <a:lumMod val="60000"/>
-  </cs:variation>
-  <cs:variation>
-    <a:lumMod val="80000"/>
-    <a:lumOff val="20000"/>
-  </cs:variation>
-  <cs:variation>
-    <a:lumMod val="80000"/>
-  </cs:variation>
-  <cs:variation>
-    <a:lumMod val="60000"/>
-    <a:lumOff val="40000"/>
-  </cs:variation>
-  <cs:variation>
-    <a:lumMod val="50000"/>
-  </cs:variation>
-  <cs:variation>
-    <a:lumMod val="70000"/>
-    <a:lumOff val="30000"/>
-  </cs:variation>
-  <cs:variation>
-    <a:lumMod val="70000"/>
-  </cs:variation>
-  <cs:variation>
-    <a:lumMod val="50000"/>
-    <a:lumOff val="50000"/>
-  </cs:variation>
-</cs:colorStyle>
-</file>
-
-<file path=ppt/charts/colors25.xml><?xml version="1.0" encoding="utf-8"?>
 <cs:colorStyle xmlns:cs="http://schemas.microsoft.com/office/drawing/2012/chartStyle" xmlns:a="http://schemas.openxmlformats.org/drawingml/2006/main" meth="cycle" id="10">
   <a:schemeClr val="accent1"/>
   <a:schemeClr val="accent2"/>
@@ -12902,6 +12912,509 @@
 </file>
 
 <file path=ppt/charts/style14.xml><?xml version="1.0" encoding="utf-8"?>
+<cs:chartStyle xmlns:cs="http://schemas.microsoft.com/office/drawing/2012/chartStyle" xmlns:a="http://schemas.openxmlformats.org/drawingml/2006/main" id="201">
+  <cs:axisTitle>
+    <cs:lnRef idx="0"/>
+    <cs:fillRef idx="0"/>
+    <cs:effectRef idx="0"/>
+    <cs:fontRef idx="minor">
+      <a:schemeClr val="tx1">
+        <a:lumMod val="65000"/>
+        <a:lumOff val="35000"/>
+      </a:schemeClr>
+    </cs:fontRef>
+    <cs:defRPr sz="1330" kern="1200"/>
+  </cs:axisTitle>
+  <cs:categoryAxis>
+    <cs:lnRef idx="0"/>
+    <cs:fillRef idx="0"/>
+    <cs:effectRef idx="0"/>
+    <cs:fontRef idx="minor">
+      <a:schemeClr val="tx1">
+        <a:lumMod val="65000"/>
+        <a:lumOff val="35000"/>
+      </a:schemeClr>
+    </cs:fontRef>
+    <cs:spPr>
+      <a:ln w="9525" cap="flat" cmpd="sng" algn="ctr">
+        <a:solidFill>
+          <a:schemeClr val="tx1">
+            <a:lumMod val="15000"/>
+            <a:lumOff val="85000"/>
+          </a:schemeClr>
+        </a:solidFill>
+        <a:round/>
+      </a:ln>
+    </cs:spPr>
+    <cs:defRPr sz="1197" kern="1200"/>
+  </cs:categoryAxis>
+  <cs:chartArea mods="allowNoFillOverride allowNoLineOverride">
+    <cs:lnRef idx="0"/>
+    <cs:fillRef idx="0"/>
+    <cs:effectRef idx="0"/>
+    <cs:fontRef idx="minor">
+      <a:schemeClr val="tx1"/>
+    </cs:fontRef>
+    <cs:spPr>
+      <a:solidFill>
+        <a:schemeClr val="bg1"/>
+      </a:solidFill>
+      <a:ln w="9525" cap="flat" cmpd="sng" algn="ctr">
+        <a:solidFill>
+          <a:schemeClr val="tx1">
+            <a:lumMod val="15000"/>
+            <a:lumOff val="85000"/>
+          </a:schemeClr>
+        </a:solidFill>
+        <a:round/>
+      </a:ln>
+    </cs:spPr>
+    <cs:defRPr sz="1330" kern="1200"/>
+  </cs:chartArea>
+  <cs:dataLabel>
+    <cs:lnRef idx="0"/>
+    <cs:fillRef idx="0"/>
+    <cs:effectRef idx="0"/>
+    <cs:fontRef idx="minor">
+      <a:schemeClr val="tx1">
+        <a:lumMod val="75000"/>
+        <a:lumOff val="25000"/>
+      </a:schemeClr>
+    </cs:fontRef>
+    <cs:defRPr sz="1197" kern="1200"/>
+  </cs:dataLabel>
+  <cs:dataLabelCallout>
+    <cs:lnRef idx="0"/>
+    <cs:fillRef idx="0"/>
+    <cs:effectRef idx="0"/>
+    <cs:fontRef idx="minor">
+      <a:schemeClr val="dk1">
+        <a:lumMod val="65000"/>
+        <a:lumOff val="35000"/>
+      </a:schemeClr>
+    </cs:fontRef>
+    <cs:spPr>
+      <a:solidFill>
+        <a:schemeClr val="lt1"/>
+      </a:solidFill>
+      <a:ln>
+        <a:solidFill>
+          <a:schemeClr val="dk1">
+            <a:lumMod val="25000"/>
+            <a:lumOff val="75000"/>
+          </a:schemeClr>
+        </a:solidFill>
+      </a:ln>
+    </cs:spPr>
+    <cs:defRPr sz="1197" kern="1200"/>
+    <cs:bodyPr rot="0" spcFirstLastPara="1" vertOverflow="clip" horzOverflow="clip" vert="horz" wrap="square" lIns="36576" tIns="18288" rIns="36576" bIns="18288" anchor="ctr" anchorCtr="1">
+      <a:spAutoFit/>
+    </cs:bodyPr>
+  </cs:dataLabelCallout>
+  <cs:dataPoint>
+    <cs:lnRef idx="0"/>
+    <cs:fillRef idx="1">
+      <cs:styleClr val="auto"/>
+    </cs:fillRef>
+    <cs:effectRef idx="0"/>
+    <cs:fontRef idx="minor">
+      <a:schemeClr val="tx1"/>
+    </cs:fontRef>
+  </cs:dataPoint>
+  <cs:dataPoint3D>
+    <cs:lnRef idx="0"/>
+    <cs:fillRef idx="1">
+      <cs:styleClr val="auto"/>
+    </cs:fillRef>
+    <cs:effectRef idx="0"/>
+    <cs:fontRef idx="minor">
+      <a:schemeClr val="tx1"/>
+    </cs:fontRef>
+  </cs:dataPoint3D>
+  <cs:dataPointLine>
+    <cs:lnRef idx="0">
+      <cs:styleClr val="auto"/>
+    </cs:lnRef>
+    <cs:fillRef idx="1"/>
+    <cs:effectRef idx="0"/>
+    <cs:fontRef idx="minor">
+      <a:schemeClr val="tx1"/>
+    </cs:fontRef>
+    <cs:spPr>
+      <a:ln w="28575" cap="rnd">
+        <a:solidFill>
+          <a:schemeClr val="phClr"/>
+        </a:solidFill>
+        <a:round/>
+      </a:ln>
+    </cs:spPr>
+  </cs:dataPointLine>
+  <cs:dataPointMarker>
+    <cs:lnRef idx="0">
+      <cs:styleClr val="auto"/>
+    </cs:lnRef>
+    <cs:fillRef idx="1">
+      <cs:styleClr val="auto"/>
+    </cs:fillRef>
+    <cs:effectRef idx="0"/>
+    <cs:fontRef idx="minor">
+      <a:schemeClr val="tx1"/>
+    </cs:fontRef>
+    <cs:spPr>
+      <a:ln w="9525">
+        <a:solidFill>
+          <a:schemeClr val="phClr"/>
+        </a:solidFill>
+      </a:ln>
+    </cs:spPr>
+  </cs:dataPointMarker>
+  <cs:dataPointMarkerLayout symbol="circle" size="5"/>
+  <cs:dataPointWireframe>
+    <cs:lnRef idx="0">
+      <cs:styleClr val="auto"/>
+    </cs:lnRef>
+    <cs:fillRef idx="1"/>
+    <cs:effectRef idx="0"/>
+    <cs:fontRef idx="minor">
+      <a:schemeClr val="tx1"/>
+    </cs:fontRef>
+    <cs:spPr>
+      <a:ln w="9525" cap="rnd">
+        <a:solidFill>
+          <a:schemeClr val="phClr"/>
+        </a:solidFill>
+        <a:round/>
+      </a:ln>
+    </cs:spPr>
+  </cs:dataPointWireframe>
+  <cs:dataTable>
+    <cs:lnRef idx="0"/>
+    <cs:fillRef idx="0"/>
+    <cs:effectRef idx="0"/>
+    <cs:fontRef idx="minor">
+      <a:schemeClr val="tx1">
+        <a:lumMod val="65000"/>
+        <a:lumOff val="35000"/>
+      </a:schemeClr>
+    </cs:fontRef>
+    <cs:spPr>
+      <a:noFill/>
+      <a:ln w="9525" cap="flat" cmpd="sng" algn="ctr">
+        <a:solidFill>
+          <a:schemeClr val="tx1">
+            <a:lumMod val="15000"/>
+            <a:lumOff val="85000"/>
+          </a:schemeClr>
+        </a:solidFill>
+        <a:round/>
+      </a:ln>
+    </cs:spPr>
+    <cs:defRPr sz="1197" kern="1200"/>
+  </cs:dataTable>
+  <cs:downBar>
+    <cs:lnRef idx="0"/>
+    <cs:fillRef idx="0"/>
+    <cs:effectRef idx="0"/>
+    <cs:fontRef idx="minor">
+      <a:schemeClr val="dk1"/>
+    </cs:fontRef>
+    <cs:spPr>
+      <a:solidFill>
+        <a:schemeClr val="dk1">
+          <a:lumMod val="65000"/>
+          <a:lumOff val="35000"/>
+        </a:schemeClr>
+      </a:solidFill>
+      <a:ln w="9525">
+        <a:solidFill>
+          <a:schemeClr val="tx1">
+            <a:lumMod val="65000"/>
+            <a:lumOff val="35000"/>
+          </a:schemeClr>
+        </a:solidFill>
+      </a:ln>
+    </cs:spPr>
+  </cs:downBar>
+  <cs:dropLine>
+    <cs:lnRef idx="0"/>
+    <cs:fillRef idx="0"/>
+    <cs:effectRef idx="0"/>
+    <cs:fontRef idx="minor">
+      <a:schemeClr val="tx1"/>
+    </cs:fontRef>
+    <cs:spPr>
+      <a:ln w="9525" cap="flat" cmpd="sng" algn="ctr">
+        <a:solidFill>
+          <a:schemeClr val="tx1">
+            <a:lumMod val="35000"/>
+            <a:lumOff val="65000"/>
+          </a:schemeClr>
+        </a:solidFill>
+        <a:round/>
+      </a:ln>
+    </cs:spPr>
+  </cs:dropLine>
+  <cs:errorBar>
+    <cs:lnRef idx="0"/>
+    <cs:fillRef idx="0"/>
+    <cs:effectRef idx="0"/>
+    <cs:fontRef idx="minor">
+      <a:schemeClr val="tx1"/>
+    </cs:fontRef>
+    <cs:spPr>
+      <a:ln w="9525" cap="flat" cmpd="sng" algn="ctr">
+        <a:solidFill>
+          <a:schemeClr val="tx1">
+            <a:lumMod val="65000"/>
+            <a:lumOff val="35000"/>
+          </a:schemeClr>
+        </a:solidFill>
+        <a:round/>
+      </a:ln>
+    </cs:spPr>
+  </cs:errorBar>
+  <cs:floor>
+    <cs:lnRef idx="0"/>
+    <cs:fillRef idx="0"/>
+    <cs:effectRef idx="0"/>
+    <cs:fontRef idx="minor">
+      <a:schemeClr val="tx1"/>
+    </cs:fontRef>
+    <cs:spPr>
+      <a:noFill/>
+      <a:ln>
+        <a:noFill/>
+      </a:ln>
+    </cs:spPr>
+  </cs:floor>
+  <cs:gridlineMajor>
+    <cs:lnRef idx="0"/>
+    <cs:fillRef idx="0"/>
+    <cs:effectRef idx="0"/>
+    <cs:fontRef idx="minor">
+      <a:schemeClr val="tx1"/>
+    </cs:fontRef>
+    <cs:spPr>
+      <a:ln w="9525" cap="flat" cmpd="sng" algn="ctr">
+        <a:solidFill>
+          <a:schemeClr val="tx1">
+            <a:lumMod val="15000"/>
+            <a:lumOff val="85000"/>
+          </a:schemeClr>
+        </a:solidFill>
+        <a:round/>
+      </a:ln>
+    </cs:spPr>
+  </cs:gridlineMajor>
+  <cs:gridlineMinor>
+    <cs:lnRef idx="0"/>
+    <cs:fillRef idx="0"/>
+    <cs:effectRef idx="0"/>
+    <cs:fontRef idx="minor">
+      <a:schemeClr val="tx1"/>
+    </cs:fontRef>
+    <cs:spPr>
+      <a:ln w="9525" cap="flat" cmpd="sng" algn="ctr">
+        <a:solidFill>
+          <a:schemeClr val="tx1">
+            <a:lumMod val="5000"/>
+            <a:lumOff val="95000"/>
+          </a:schemeClr>
+        </a:solidFill>
+        <a:round/>
+      </a:ln>
+    </cs:spPr>
+  </cs:gridlineMinor>
+  <cs:hiLoLine>
+    <cs:lnRef idx="0"/>
+    <cs:fillRef idx="0"/>
+    <cs:effectRef idx="0"/>
+    <cs:fontRef idx="minor">
+      <a:schemeClr val="tx1"/>
+    </cs:fontRef>
+    <cs:spPr>
+      <a:ln w="9525" cap="flat" cmpd="sng" algn="ctr">
+        <a:solidFill>
+          <a:schemeClr val="tx1">
+            <a:lumMod val="75000"/>
+            <a:lumOff val="25000"/>
+          </a:schemeClr>
+        </a:solidFill>
+        <a:round/>
+      </a:ln>
+    </cs:spPr>
+  </cs:hiLoLine>
+  <cs:leaderLine>
+    <cs:lnRef idx="0"/>
+    <cs:fillRef idx="0"/>
+    <cs:effectRef idx="0"/>
+    <cs:fontRef idx="minor">
+      <a:schemeClr val="tx1"/>
+    </cs:fontRef>
+    <cs:spPr>
+      <a:ln w="9525" cap="flat" cmpd="sng" algn="ctr">
+        <a:solidFill>
+          <a:schemeClr val="tx1">
+            <a:lumMod val="35000"/>
+            <a:lumOff val="65000"/>
+          </a:schemeClr>
+        </a:solidFill>
+        <a:round/>
+      </a:ln>
+    </cs:spPr>
+  </cs:leaderLine>
+  <cs:legend>
+    <cs:lnRef idx="0"/>
+    <cs:fillRef idx="0"/>
+    <cs:effectRef idx="0"/>
+    <cs:fontRef idx="minor">
+      <a:schemeClr val="tx1">
+        <a:lumMod val="65000"/>
+        <a:lumOff val="35000"/>
+      </a:schemeClr>
+    </cs:fontRef>
+    <cs:defRPr sz="1197" kern="1200"/>
+  </cs:legend>
+  <cs:plotArea mods="allowNoFillOverride allowNoLineOverride">
+    <cs:lnRef idx="0"/>
+    <cs:fillRef idx="0"/>
+    <cs:effectRef idx="0"/>
+    <cs:fontRef idx="minor">
+      <a:schemeClr val="tx1"/>
+    </cs:fontRef>
+  </cs:plotArea>
+  <cs:plotArea3D mods="allowNoFillOverride allowNoLineOverride">
+    <cs:lnRef idx="0"/>
+    <cs:fillRef idx="0"/>
+    <cs:effectRef idx="0"/>
+    <cs:fontRef idx="minor">
+      <a:schemeClr val="tx1"/>
+    </cs:fontRef>
+  </cs:plotArea3D>
+  <cs:seriesAxis>
+    <cs:lnRef idx="0"/>
+    <cs:fillRef idx="0"/>
+    <cs:effectRef idx="0"/>
+    <cs:fontRef idx="minor">
+      <a:schemeClr val="tx1">
+        <a:lumMod val="65000"/>
+        <a:lumOff val="35000"/>
+      </a:schemeClr>
+    </cs:fontRef>
+    <cs:defRPr sz="1197" kern="1200"/>
+  </cs:seriesAxis>
+  <cs:seriesLine>
+    <cs:lnRef idx="0"/>
+    <cs:fillRef idx="0"/>
+    <cs:effectRef idx="0"/>
+    <cs:fontRef idx="minor">
+      <a:schemeClr val="tx1"/>
+    </cs:fontRef>
+    <cs:spPr>
+      <a:ln w="9525" cap="flat" cmpd="sng" algn="ctr">
+        <a:solidFill>
+          <a:schemeClr val="tx1">
+            <a:lumMod val="35000"/>
+            <a:lumOff val="65000"/>
+          </a:schemeClr>
+        </a:solidFill>
+        <a:round/>
+      </a:ln>
+    </cs:spPr>
+  </cs:seriesLine>
+  <cs:title>
+    <cs:lnRef idx="0"/>
+    <cs:fillRef idx="0"/>
+    <cs:effectRef idx="0"/>
+    <cs:fontRef idx="minor">
+      <a:schemeClr val="tx1">
+        <a:lumMod val="65000"/>
+        <a:lumOff val="35000"/>
+      </a:schemeClr>
+    </cs:fontRef>
+    <cs:defRPr sz="1862" b="0" kern="1200" spc="0" baseline="0"/>
+  </cs:title>
+  <cs:trendline>
+    <cs:lnRef idx="0">
+      <cs:styleClr val="auto"/>
+    </cs:lnRef>
+    <cs:fillRef idx="0"/>
+    <cs:effectRef idx="0"/>
+    <cs:fontRef idx="minor">
+      <a:schemeClr val="tx1"/>
+    </cs:fontRef>
+    <cs:spPr>
+      <a:ln w="19050" cap="rnd">
+        <a:solidFill>
+          <a:schemeClr val="phClr"/>
+        </a:solidFill>
+        <a:prstDash val="sysDot"/>
+      </a:ln>
+    </cs:spPr>
+  </cs:trendline>
+  <cs:trendlineLabel>
+    <cs:lnRef idx="0"/>
+    <cs:fillRef idx="0"/>
+    <cs:effectRef idx="0"/>
+    <cs:fontRef idx="minor">
+      <a:schemeClr val="tx1">
+        <a:lumMod val="65000"/>
+        <a:lumOff val="35000"/>
+      </a:schemeClr>
+    </cs:fontRef>
+    <cs:defRPr sz="1197" kern="1200"/>
+  </cs:trendlineLabel>
+  <cs:upBar>
+    <cs:lnRef idx="0"/>
+    <cs:fillRef idx="0"/>
+    <cs:effectRef idx="0"/>
+    <cs:fontRef idx="minor">
+      <a:schemeClr val="dk1"/>
+    </cs:fontRef>
+    <cs:spPr>
+      <a:solidFill>
+        <a:schemeClr val="lt1"/>
+      </a:solidFill>
+      <a:ln w="9525">
+        <a:solidFill>
+          <a:schemeClr val="tx1">
+            <a:lumMod val="15000"/>
+            <a:lumOff val="85000"/>
+          </a:schemeClr>
+        </a:solidFill>
+      </a:ln>
+    </cs:spPr>
+  </cs:upBar>
+  <cs:valueAxis>
+    <cs:lnRef idx="0"/>
+    <cs:fillRef idx="0"/>
+    <cs:effectRef idx="0"/>
+    <cs:fontRef idx="minor">
+      <a:schemeClr val="tx1">
+        <a:lumMod val="65000"/>
+        <a:lumOff val="35000"/>
+      </a:schemeClr>
+    </cs:fontRef>
+    <cs:defRPr sz="1197" kern="1200"/>
+  </cs:valueAxis>
+  <cs:wall>
+    <cs:lnRef idx="0"/>
+    <cs:fillRef idx="0"/>
+    <cs:effectRef idx="0"/>
+    <cs:fontRef idx="minor">
+      <a:schemeClr val="tx1"/>
+    </cs:fontRef>
+    <cs:spPr>
+      <a:noFill/>
+      <a:ln>
+        <a:noFill/>
+      </a:ln>
+    </cs:spPr>
+  </cs:wall>
+</cs:chartStyle>
+</file>
+
+<file path=ppt/charts/style140.xml><?xml version="1.0" encoding="utf-8"?>
 <cs:chartStyle xmlns:cs="http://schemas.microsoft.com/office/drawing/2012/chartStyle" xmlns:a="http://schemas.openxmlformats.org/drawingml/2006/main" id="406">
   <cs:axisTitle>
     <cs:lnRef idx="0"/>
@@ -13388,6 +13901,509 @@
 </file>
 
 <file path=ppt/charts/style15.xml><?xml version="1.0" encoding="utf-8"?>
+<cs:chartStyle xmlns:cs="http://schemas.microsoft.com/office/drawing/2012/chartStyle" xmlns:a="http://schemas.openxmlformats.org/drawingml/2006/main" id="201">
+  <cs:axisTitle>
+    <cs:lnRef idx="0"/>
+    <cs:fillRef idx="0"/>
+    <cs:effectRef idx="0"/>
+    <cs:fontRef idx="minor">
+      <a:schemeClr val="tx1">
+        <a:lumMod val="65000"/>
+        <a:lumOff val="35000"/>
+      </a:schemeClr>
+    </cs:fontRef>
+    <cs:defRPr sz="1330" kern="1200"/>
+  </cs:axisTitle>
+  <cs:categoryAxis>
+    <cs:lnRef idx="0"/>
+    <cs:fillRef idx="0"/>
+    <cs:effectRef idx="0"/>
+    <cs:fontRef idx="minor">
+      <a:schemeClr val="tx1">
+        <a:lumMod val="65000"/>
+        <a:lumOff val="35000"/>
+      </a:schemeClr>
+    </cs:fontRef>
+    <cs:spPr>
+      <a:ln w="9525" cap="flat" cmpd="sng" algn="ctr">
+        <a:solidFill>
+          <a:schemeClr val="tx1">
+            <a:lumMod val="15000"/>
+            <a:lumOff val="85000"/>
+          </a:schemeClr>
+        </a:solidFill>
+        <a:round/>
+      </a:ln>
+    </cs:spPr>
+    <cs:defRPr sz="1197" kern="1200"/>
+  </cs:categoryAxis>
+  <cs:chartArea mods="allowNoFillOverride allowNoLineOverride">
+    <cs:lnRef idx="0"/>
+    <cs:fillRef idx="0"/>
+    <cs:effectRef idx="0"/>
+    <cs:fontRef idx="minor">
+      <a:schemeClr val="tx1"/>
+    </cs:fontRef>
+    <cs:spPr>
+      <a:solidFill>
+        <a:schemeClr val="bg1"/>
+      </a:solidFill>
+      <a:ln w="9525" cap="flat" cmpd="sng" algn="ctr">
+        <a:solidFill>
+          <a:schemeClr val="tx1">
+            <a:lumMod val="15000"/>
+            <a:lumOff val="85000"/>
+          </a:schemeClr>
+        </a:solidFill>
+        <a:round/>
+      </a:ln>
+    </cs:spPr>
+    <cs:defRPr sz="1330" kern="1200"/>
+  </cs:chartArea>
+  <cs:dataLabel>
+    <cs:lnRef idx="0"/>
+    <cs:fillRef idx="0"/>
+    <cs:effectRef idx="0"/>
+    <cs:fontRef idx="minor">
+      <a:schemeClr val="tx1">
+        <a:lumMod val="75000"/>
+        <a:lumOff val="25000"/>
+      </a:schemeClr>
+    </cs:fontRef>
+    <cs:defRPr sz="1197" kern="1200"/>
+  </cs:dataLabel>
+  <cs:dataLabelCallout>
+    <cs:lnRef idx="0"/>
+    <cs:fillRef idx="0"/>
+    <cs:effectRef idx="0"/>
+    <cs:fontRef idx="minor">
+      <a:schemeClr val="dk1">
+        <a:lumMod val="65000"/>
+        <a:lumOff val="35000"/>
+      </a:schemeClr>
+    </cs:fontRef>
+    <cs:spPr>
+      <a:solidFill>
+        <a:schemeClr val="lt1"/>
+      </a:solidFill>
+      <a:ln>
+        <a:solidFill>
+          <a:schemeClr val="dk1">
+            <a:lumMod val="25000"/>
+            <a:lumOff val="75000"/>
+          </a:schemeClr>
+        </a:solidFill>
+      </a:ln>
+    </cs:spPr>
+    <cs:defRPr sz="1197" kern="1200"/>
+    <cs:bodyPr rot="0" spcFirstLastPara="1" vertOverflow="clip" horzOverflow="clip" vert="horz" wrap="square" lIns="36576" tIns="18288" rIns="36576" bIns="18288" anchor="ctr" anchorCtr="1">
+      <a:spAutoFit/>
+    </cs:bodyPr>
+  </cs:dataLabelCallout>
+  <cs:dataPoint>
+    <cs:lnRef idx="0"/>
+    <cs:fillRef idx="1">
+      <cs:styleClr val="auto"/>
+    </cs:fillRef>
+    <cs:effectRef idx="0"/>
+    <cs:fontRef idx="minor">
+      <a:schemeClr val="tx1"/>
+    </cs:fontRef>
+  </cs:dataPoint>
+  <cs:dataPoint3D>
+    <cs:lnRef idx="0"/>
+    <cs:fillRef idx="1">
+      <cs:styleClr val="auto"/>
+    </cs:fillRef>
+    <cs:effectRef idx="0"/>
+    <cs:fontRef idx="minor">
+      <a:schemeClr val="tx1"/>
+    </cs:fontRef>
+  </cs:dataPoint3D>
+  <cs:dataPointLine>
+    <cs:lnRef idx="0">
+      <cs:styleClr val="auto"/>
+    </cs:lnRef>
+    <cs:fillRef idx="1"/>
+    <cs:effectRef idx="0"/>
+    <cs:fontRef idx="minor">
+      <a:schemeClr val="tx1"/>
+    </cs:fontRef>
+    <cs:spPr>
+      <a:ln w="28575" cap="rnd">
+        <a:solidFill>
+          <a:schemeClr val="phClr"/>
+        </a:solidFill>
+        <a:round/>
+      </a:ln>
+    </cs:spPr>
+  </cs:dataPointLine>
+  <cs:dataPointMarker>
+    <cs:lnRef idx="0">
+      <cs:styleClr val="auto"/>
+    </cs:lnRef>
+    <cs:fillRef idx="1">
+      <cs:styleClr val="auto"/>
+    </cs:fillRef>
+    <cs:effectRef idx="0"/>
+    <cs:fontRef idx="minor">
+      <a:schemeClr val="tx1"/>
+    </cs:fontRef>
+    <cs:spPr>
+      <a:ln w="9525">
+        <a:solidFill>
+          <a:schemeClr val="phClr"/>
+        </a:solidFill>
+      </a:ln>
+    </cs:spPr>
+  </cs:dataPointMarker>
+  <cs:dataPointMarkerLayout symbol="circle" size="5"/>
+  <cs:dataPointWireframe>
+    <cs:lnRef idx="0">
+      <cs:styleClr val="auto"/>
+    </cs:lnRef>
+    <cs:fillRef idx="1"/>
+    <cs:effectRef idx="0"/>
+    <cs:fontRef idx="minor">
+      <a:schemeClr val="tx1"/>
+    </cs:fontRef>
+    <cs:spPr>
+      <a:ln w="9525" cap="rnd">
+        <a:solidFill>
+          <a:schemeClr val="phClr"/>
+        </a:solidFill>
+        <a:round/>
+      </a:ln>
+    </cs:spPr>
+  </cs:dataPointWireframe>
+  <cs:dataTable>
+    <cs:lnRef idx="0"/>
+    <cs:fillRef idx="0"/>
+    <cs:effectRef idx="0"/>
+    <cs:fontRef idx="minor">
+      <a:schemeClr val="tx1">
+        <a:lumMod val="65000"/>
+        <a:lumOff val="35000"/>
+      </a:schemeClr>
+    </cs:fontRef>
+    <cs:spPr>
+      <a:noFill/>
+      <a:ln w="9525" cap="flat" cmpd="sng" algn="ctr">
+        <a:solidFill>
+          <a:schemeClr val="tx1">
+            <a:lumMod val="15000"/>
+            <a:lumOff val="85000"/>
+          </a:schemeClr>
+        </a:solidFill>
+        <a:round/>
+      </a:ln>
+    </cs:spPr>
+    <cs:defRPr sz="1197" kern="1200"/>
+  </cs:dataTable>
+  <cs:downBar>
+    <cs:lnRef idx="0"/>
+    <cs:fillRef idx="0"/>
+    <cs:effectRef idx="0"/>
+    <cs:fontRef idx="minor">
+      <a:schemeClr val="dk1"/>
+    </cs:fontRef>
+    <cs:spPr>
+      <a:solidFill>
+        <a:schemeClr val="dk1">
+          <a:lumMod val="65000"/>
+          <a:lumOff val="35000"/>
+        </a:schemeClr>
+      </a:solidFill>
+      <a:ln w="9525">
+        <a:solidFill>
+          <a:schemeClr val="tx1">
+            <a:lumMod val="65000"/>
+            <a:lumOff val="35000"/>
+          </a:schemeClr>
+        </a:solidFill>
+      </a:ln>
+    </cs:spPr>
+  </cs:downBar>
+  <cs:dropLine>
+    <cs:lnRef idx="0"/>
+    <cs:fillRef idx="0"/>
+    <cs:effectRef idx="0"/>
+    <cs:fontRef idx="minor">
+      <a:schemeClr val="tx1"/>
+    </cs:fontRef>
+    <cs:spPr>
+      <a:ln w="9525" cap="flat" cmpd="sng" algn="ctr">
+        <a:solidFill>
+          <a:schemeClr val="tx1">
+            <a:lumMod val="35000"/>
+            <a:lumOff val="65000"/>
+          </a:schemeClr>
+        </a:solidFill>
+        <a:round/>
+      </a:ln>
+    </cs:spPr>
+  </cs:dropLine>
+  <cs:errorBar>
+    <cs:lnRef idx="0"/>
+    <cs:fillRef idx="0"/>
+    <cs:effectRef idx="0"/>
+    <cs:fontRef idx="minor">
+      <a:schemeClr val="tx1"/>
+    </cs:fontRef>
+    <cs:spPr>
+      <a:ln w="9525" cap="flat" cmpd="sng" algn="ctr">
+        <a:solidFill>
+          <a:schemeClr val="tx1">
+            <a:lumMod val="65000"/>
+            <a:lumOff val="35000"/>
+          </a:schemeClr>
+        </a:solidFill>
+        <a:round/>
+      </a:ln>
+    </cs:spPr>
+  </cs:errorBar>
+  <cs:floor>
+    <cs:lnRef idx="0"/>
+    <cs:fillRef idx="0"/>
+    <cs:effectRef idx="0"/>
+    <cs:fontRef idx="minor">
+      <a:schemeClr val="tx1"/>
+    </cs:fontRef>
+    <cs:spPr>
+      <a:noFill/>
+      <a:ln>
+        <a:noFill/>
+      </a:ln>
+    </cs:spPr>
+  </cs:floor>
+  <cs:gridlineMajor>
+    <cs:lnRef idx="0"/>
+    <cs:fillRef idx="0"/>
+    <cs:effectRef idx="0"/>
+    <cs:fontRef idx="minor">
+      <a:schemeClr val="tx1"/>
+    </cs:fontRef>
+    <cs:spPr>
+      <a:ln w="9525" cap="flat" cmpd="sng" algn="ctr">
+        <a:solidFill>
+          <a:schemeClr val="tx1">
+            <a:lumMod val="15000"/>
+            <a:lumOff val="85000"/>
+          </a:schemeClr>
+        </a:solidFill>
+        <a:round/>
+      </a:ln>
+    </cs:spPr>
+  </cs:gridlineMajor>
+  <cs:gridlineMinor>
+    <cs:lnRef idx="0"/>
+    <cs:fillRef idx="0"/>
+    <cs:effectRef idx="0"/>
+    <cs:fontRef idx="minor">
+      <a:schemeClr val="tx1"/>
+    </cs:fontRef>
+    <cs:spPr>
+      <a:ln w="9525" cap="flat" cmpd="sng" algn="ctr">
+        <a:solidFill>
+          <a:schemeClr val="tx1">
+            <a:lumMod val="5000"/>
+            <a:lumOff val="95000"/>
+          </a:schemeClr>
+        </a:solidFill>
+        <a:round/>
+      </a:ln>
+    </cs:spPr>
+  </cs:gridlineMinor>
+  <cs:hiLoLine>
+    <cs:lnRef idx="0"/>
+    <cs:fillRef idx="0"/>
+    <cs:effectRef idx="0"/>
+    <cs:fontRef idx="minor">
+      <a:schemeClr val="tx1"/>
+    </cs:fontRef>
+    <cs:spPr>
+      <a:ln w="9525" cap="flat" cmpd="sng" algn="ctr">
+        <a:solidFill>
+          <a:schemeClr val="tx1">
+            <a:lumMod val="75000"/>
+            <a:lumOff val="25000"/>
+          </a:schemeClr>
+        </a:solidFill>
+        <a:round/>
+      </a:ln>
+    </cs:spPr>
+  </cs:hiLoLine>
+  <cs:leaderLine>
+    <cs:lnRef idx="0"/>
+    <cs:fillRef idx="0"/>
+    <cs:effectRef idx="0"/>
+    <cs:fontRef idx="minor">
+      <a:schemeClr val="tx1"/>
+    </cs:fontRef>
+    <cs:spPr>
+      <a:ln w="9525" cap="flat" cmpd="sng" algn="ctr">
+        <a:solidFill>
+          <a:schemeClr val="tx1">
+            <a:lumMod val="35000"/>
+            <a:lumOff val="65000"/>
+          </a:schemeClr>
+        </a:solidFill>
+        <a:round/>
+      </a:ln>
+    </cs:spPr>
+  </cs:leaderLine>
+  <cs:legend>
+    <cs:lnRef idx="0"/>
+    <cs:fillRef idx="0"/>
+    <cs:effectRef idx="0"/>
+    <cs:fontRef idx="minor">
+      <a:schemeClr val="tx1">
+        <a:lumMod val="65000"/>
+        <a:lumOff val="35000"/>
+      </a:schemeClr>
+    </cs:fontRef>
+    <cs:defRPr sz="1197" kern="1200"/>
+  </cs:legend>
+  <cs:plotArea mods="allowNoFillOverride allowNoLineOverride">
+    <cs:lnRef idx="0"/>
+    <cs:fillRef idx="0"/>
+    <cs:effectRef idx="0"/>
+    <cs:fontRef idx="minor">
+      <a:schemeClr val="tx1"/>
+    </cs:fontRef>
+  </cs:plotArea>
+  <cs:plotArea3D mods="allowNoFillOverride allowNoLineOverride">
+    <cs:lnRef idx="0"/>
+    <cs:fillRef idx="0"/>
+    <cs:effectRef idx="0"/>
+    <cs:fontRef idx="minor">
+      <a:schemeClr val="tx1"/>
+    </cs:fontRef>
+  </cs:plotArea3D>
+  <cs:seriesAxis>
+    <cs:lnRef idx="0"/>
+    <cs:fillRef idx="0"/>
+    <cs:effectRef idx="0"/>
+    <cs:fontRef idx="minor">
+      <a:schemeClr val="tx1">
+        <a:lumMod val="65000"/>
+        <a:lumOff val="35000"/>
+      </a:schemeClr>
+    </cs:fontRef>
+    <cs:defRPr sz="1197" kern="1200"/>
+  </cs:seriesAxis>
+  <cs:seriesLine>
+    <cs:lnRef idx="0"/>
+    <cs:fillRef idx="0"/>
+    <cs:effectRef idx="0"/>
+    <cs:fontRef idx="minor">
+      <a:schemeClr val="tx1"/>
+    </cs:fontRef>
+    <cs:spPr>
+      <a:ln w="9525" cap="flat" cmpd="sng" algn="ctr">
+        <a:solidFill>
+          <a:schemeClr val="tx1">
+            <a:lumMod val="35000"/>
+            <a:lumOff val="65000"/>
+          </a:schemeClr>
+        </a:solidFill>
+        <a:round/>
+      </a:ln>
+    </cs:spPr>
+  </cs:seriesLine>
+  <cs:title>
+    <cs:lnRef idx="0"/>
+    <cs:fillRef idx="0"/>
+    <cs:effectRef idx="0"/>
+    <cs:fontRef idx="minor">
+      <a:schemeClr val="tx1">
+        <a:lumMod val="65000"/>
+        <a:lumOff val="35000"/>
+      </a:schemeClr>
+    </cs:fontRef>
+    <cs:defRPr sz="1862" b="0" kern="1200" spc="0" baseline="0"/>
+  </cs:title>
+  <cs:trendline>
+    <cs:lnRef idx="0">
+      <cs:styleClr val="auto"/>
+    </cs:lnRef>
+    <cs:fillRef idx="0"/>
+    <cs:effectRef idx="0"/>
+    <cs:fontRef idx="minor">
+      <a:schemeClr val="tx1"/>
+    </cs:fontRef>
+    <cs:spPr>
+      <a:ln w="19050" cap="rnd">
+        <a:solidFill>
+          <a:schemeClr val="phClr"/>
+        </a:solidFill>
+        <a:prstDash val="sysDot"/>
+      </a:ln>
+    </cs:spPr>
+  </cs:trendline>
+  <cs:trendlineLabel>
+    <cs:lnRef idx="0"/>
+    <cs:fillRef idx="0"/>
+    <cs:effectRef idx="0"/>
+    <cs:fontRef idx="minor">
+      <a:schemeClr val="tx1">
+        <a:lumMod val="65000"/>
+        <a:lumOff val="35000"/>
+      </a:schemeClr>
+    </cs:fontRef>
+    <cs:defRPr sz="1197" kern="1200"/>
+  </cs:trendlineLabel>
+  <cs:upBar>
+    <cs:lnRef idx="0"/>
+    <cs:fillRef idx="0"/>
+    <cs:effectRef idx="0"/>
+    <cs:fontRef idx="minor">
+      <a:schemeClr val="dk1"/>
+    </cs:fontRef>
+    <cs:spPr>
+      <a:solidFill>
+        <a:schemeClr val="lt1"/>
+      </a:solidFill>
+      <a:ln w="9525">
+        <a:solidFill>
+          <a:schemeClr val="tx1">
+            <a:lumMod val="15000"/>
+            <a:lumOff val="85000"/>
+          </a:schemeClr>
+        </a:solidFill>
+      </a:ln>
+    </cs:spPr>
+  </cs:upBar>
+  <cs:valueAxis>
+    <cs:lnRef idx="0"/>
+    <cs:fillRef idx="0"/>
+    <cs:effectRef idx="0"/>
+    <cs:fontRef idx="minor">
+      <a:schemeClr val="tx1">
+        <a:lumMod val="65000"/>
+        <a:lumOff val="35000"/>
+      </a:schemeClr>
+    </cs:fontRef>
+    <cs:defRPr sz="1197" kern="1200"/>
+  </cs:valueAxis>
+  <cs:wall>
+    <cs:lnRef idx="0"/>
+    <cs:fillRef idx="0"/>
+    <cs:effectRef idx="0"/>
+    <cs:fontRef idx="minor">
+      <a:schemeClr val="tx1"/>
+    </cs:fontRef>
+    <cs:spPr>
+      <a:noFill/>
+      <a:ln>
+        <a:noFill/>
+      </a:ln>
+    </cs:spPr>
+  </cs:wall>
+</cs:chartStyle>
+</file>
+
+<file path=ppt/charts/style150.xml><?xml version="1.0" encoding="utf-8"?>
 <cs:chartStyle xmlns:cs="http://schemas.microsoft.com/office/drawing/2012/chartStyle" xmlns:a="http://schemas.openxmlformats.org/drawingml/2006/main" id="406">
   <cs:axisTitle>
     <cs:lnRef idx="0"/>
@@ -13903,6 +14919,509 @@
 </file>
 
 <file path=ppt/charts/style16.xml><?xml version="1.0" encoding="utf-8"?>
+<cs:chartStyle xmlns:cs="http://schemas.microsoft.com/office/drawing/2012/chartStyle" xmlns:a="http://schemas.openxmlformats.org/drawingml/2006/main" id="201">
+  <cs:axisTitle>
+    <cs:lnRef idx="0"/>
+    <cs:fillRef idx="0"/>
+    <cs:effectRef idx="0"/>
+    <cs:fontRef idx="minor">
+      <a:schemeClr val="tx1">
+        <a:lumMod val="65000"/>
+        <a:lumOff val="35000"/>
+      </a:schemeClr>
+    </cs:fontRef>
+    <cs:defRPr sz="1330" kern="1200"/>
+  </cs:axisTitle>
+  <cs:categoryAxis>
+    <cs:lnRef idx="0"/>
+    <cs:fillRef idx="0"/>
+    <cs:effectRef idx="0"/>
+    <cs:fontRef idx="minor">
+      <a:schemeClr val="tx1">
+        <a:lumMod val="65000"/>
+        <a:lumOff val="35000"/>
+      </a:schemeClr>
+    </cs:fontRef>
+    <cs:spPr>
+      <a:ln w="9525" cap="flat" cmpd="sng" algn="ctr">
+        <a:solidFill>
+          <a:schemeClr val="tx1">
+            <a:lumMod val="15000"/>
+            <a:lumOff val="85000"/>
+          </a:schemeClr>
+        </a:solidFill>
+        <a:round/>
+      </a:ln>
+    </cs:spPr>
+    <cs:defRPr sz="1197" kern="1200"/>
+  </cs:categoryAxis>
+  <cs:chartArea mods="allowNoFillOverride allowNoLineOverride">
+    <cs:lnRef idx="0"/>
+    <cs:fillRef idx="0"/>
+    <cs:effectRef idx="0"/>
+    <cs:fontRef idx="minor">
+      <a:schemeClr val="tx1"/>
+    </cs:fontRef>
+    <cs:spPr>
+      <a:solidFill>
+        <a:schemeClr val="bg1"/>
+      </a:solidFill>
+      <a:ln w="9525" cap="flat" cmpd="sng" algn="ctr">
+        <a:solidFill>
+          <a:schemeClr val="tx1">
+            <a:lumMod val="15000"/>
+            <a:lumOff val="85000"/>
+          </a:schemeClr>
+        </a:solidFill>
+        <a:round/>
+      </a:ln>
+    </cs:spPr>
+    <cs:defRPr sz="1330" kern="1200"/>
+  </cs:chartArea>
+  <cs:dataLabel>
+    <cs:lnRef idx="0"/>
+    <cs:fillRef idx="0"/>
+    <cs:effectRef idx="0"/>
+    <cs:fontRef idx="minor">
+      <a:schemeClr val="tx1">
+        <a:lumMod val="75000"/>
+        <a:lumOff val="25000"/>
+      </a:schemeClr>
+    </cs:fontRef>
+    <cs:defRPr sz="1197" kern="1200"/>
+  </cs:dataLabel>
+  <cs:dataLabelCallout>
+    <cs:lnRef idx="0"/>
+    <cs:fillRef idx="0"/>
+    <cs:effectRef idx="0"/>
+    <cs:fontRef idx="minor">
+      <a:schemeClr val="dk1">
+        <a:lumMod val="65000"/>
+        <a:lumOff val="35000"/>
+      </a:schemeClr>
+    </cs:fontRef>
+    <cs:spPr>
+      <a:solidFill>
+        <a:schemeClr val="lt1"/>
+      </a:solidFill>
+      <a:ln>
+        <a:solidFill>
+          <a:schemeClr val="dk1">
+            <a:lumMod val="25000"/>
+            <a:lumOff val="75000"/>
+          </a:schemeClr>
+        </a:solidFill>
+      </a:ln>
+    </cs:spPr>
+    <cs:defRPr sz="1197" kern="1200"/>
+    <cs:bodyPr rot="0" spcFirstLastPara="1" vertOverflow="clip" horzOverflow="clip" vert="horz" wrap="square" lIns="36576" tIns="18288" rIns="36576" bIns="18288" anchor="ctr" anchorCtr="1">
+      <a:spAutoFit/>
+    </cs:bodyPr>
+  </cs:dataLabelCallout>
+  <cs:dataPoint>
+    <cs:lnRef idx="0"/>
+    <cs:fillRef idx="1">
+      <cs:styleClr val="auto"/>
+    </cs:fillRef>
+    <cs:effectRef idx="0"/>
+    <cs:fontRef idx="minor">
+      <a:schemeClr val="tx1"/>
+    </cs:fontRef>
+  </cs:dataPoint>
+  <cs:dataPoint3D>
+    <cs:lnRef idx="0"/>
+    <cs:fillRef idx="1">
+      <cs:styleClr val="auto"/>
+    </cs:fillRef>
+    <cs:effectRef idx="0"/>
+    <cs:fontRef idx="minor">
+      <a:schemeClr val="tx1"/>
+    </cs:fontRef>
+  </cs:dataPoint3D>
+  <cs:dataPointLine>
+    <cs:lnRef idx="0">
+      <cs:styleClr val="auto"/>
+    </cs:lnRef>
+    <cs:fillRef idx="1"/>
+    <cs:effectRef idx="0"/>
+    <cs:fontRef idx="minor">
+      <a:schemeClr val="tx1"/>
+    </cs:fontRef>
+    <cs:spPr>
+      <a:ln w="28575" cap="rnd">
+        <a:solidFill>
+          <a:schemeClr val="phClr"/>
+        </a:solidFill>
+        <a:round/>
+      </a:ln>
+    </cs:spPr>
+  </cs:dataPointLine>
+  <cs:dataPointMarker>
+    <cs:lnRef idx="0">
+      <cs:styleClr val="auto"/>
+    </cs:lnRef>
+    <cs:fillRef idx="1">
+      <cs:styleClr val="auto"/>
+    </cs:fillRef>
+    <cs:effectRef idx="0"/>
+    <cs:fontRef idx="minor">
+      <a:schemeClr val="tx1"/>
+    </cs:fontRef>
+    <cs:spPr>
+      <a:ln w="9525">
+        <a:solidFill>
+          <a:schemeClr val="phClr"/>
+        </a:solidFill>
+      </a:ln>
+    </cs:spPr>
+  </cs:dataPointMarker>
+  <cs:dataPointMarkerLayout symbol="circle" size="5"/>
+  <cs:dataPointWireframe>
+    <cs:lnRef idx="0">
+      <cs:styleClr val="auto"/>
+    </cs:lnRef>
+    <cs:fillRef idx="1"/>
+    <cs:effectRef idx="0"/>
+    <cs:fontRef idx="minor">
+      <a:schemeClr val="tx1"/>
+    </cs:fontRef>
+    <cs:spPr>
+      <a:ln w="9525" cap="rnd">
+        <a:solidFill>
+          <a:schemeClr val="phClr"/>
+        </a:solidFill>
+        <a:round/>
+      </a:ln>
+    </cs:spPr>
+  </cs:dataPointWireframe>
+  <cs:dataTable>
+    <cs:lnRef idx="0"/>
+    <cs:fillRef idx="0"/>
+    <cs:effectRef idx="0"/>
+    <cs:fontRef idx="minor">
+      <a:schemeClr val="tx1">
+        <a:lumMod val="65000"/>
+        <a:lumOff val="35000"/>
+      </a:schemeClr>
+    </cs:fontRef>
+    <cs:spPr>
+      <a:noFill/>
+      <a:ln w="9525" cap="flat" cmpd="sng" algn="ctr">
+        <a:solidFill>
+          <a:schemeClr val="tx1">
+            <a:lumMod val="15000"/>
+            <a:lumOff val="85000"/>
+          </a:schemeClr>
+        </a:solidFill>
+        <a:round/>
+      </a:ln>
+    </cs:spPr>
+    <cs:defRPr sz="1197" kern="1200"/>
+  </cs:dataTable>
+  <cs:downBar>
+    <cs:lnRef idx="0"/>
+    <cs:fillRef idx="0"/>
+    <cs:effectRef idx="0"/>
+    <cs:fontRef idx="minor">
+      <a:schemeClr val="dk1"/>
+    </cs:fontRef>
+    <cs:spPr>
+      <a:solidFill>
+        <a:schemeClr val="dk1">
+          <a:lumMod val="65000"/>
+          <a:lumOff val="35000"/>
+        </a:schemeClr>
+      </a:solidFill>
+      <a:ln w="9525">
+        <a:solidFill>
+          <a:schemeClr val="tx1">
+            <a:lumMod val="65000"/>
+            <a:lumOff val="35000"/>
+          </a:schemeClr>
+        </a:solidFill>
+      </a:ln>
+    </cs:spPr>
+  </cs:downBar>
+  <cs:dropLine>
+    <cs:lnRef idx="0"/>
+    <cs:fillRef idx="0"/>
+    <cs:effectRef idx="0"/>
+    <cs:fontRef idx="minor">
+      <a:schemeClr val="tx1"/>
+    </cs:fontRef>
+    <cs:spPr>
+      <a:ln w="9525" cap="flat" cmpd="sng" algn="ctr">
+        <a:solidFill>
+          <a:schemeClr val="tx1">
+            <a:lumMod val="35000"/>
+            <a:lumOff val="65000"/>
+          </a:schemeClr>
+        </a:solidFill>
+        <a:round/>
+      </a:ln>
+    </cs:spPr>
+  </cs:dropLine>
+  <cs:errorBar>
+    <cs:lnRef idx="0"/>
+    <cs:fillRef idx="0"/>
+    <cs:effectRef idx="0"/>
+    <cs:fontRef idx="minor">
+      <a:schemeClr val="tx1"/>
+    </cs:fontRef>
+    <cs:spPr>
+      <a:ln w="9525" cap="flat" cmpd="sng" algn="ctr">
+        <a:solidFill>
+          <a:schemeClr val="tx1">
+            <a:lumMod val="65000"/>
+            <a:lumOff val="35000"/>
+          </a:schemeClr>
+        </a:solidFill>
+        <a:round/>
+      </a:ln>
+    </cs:spPr>
+  </cs:errorBar>
+  <cs:floor>
+    <cs:lnRef idx="0"/>
+    <cs:fillRef idx="0"/>
+    <cs:effectRef idx="0"/>
+    <cs:fontRef idx="minor">
+      <a:schemeClr val="tx1"/>
+    </cs:fontRef>
+    <cs:spPr>
+      <a:noFill/>
+      <a:ln>
+        <a:noFill/>
+      </a:ln>
+    </cs:spPr>
+  </cs:floor>
+  <cs:gridlineMajor>
+    <cs:lnRef idx="0"/>
+    <cs:fillRef idx="0"/>
+    <cs:effectRef idx="0"/>
+    <cs:fontRef idx="minor">
+      <a:schemeClr val="tx1"/>
+    </cs:fontRef>
+    <cs:spPr>
+      <a:ln w="9525" cap="flat" cmpd="sng" algn="ctr">
+        <a:solidFill>
+          <a:schemeClr val="tx1">
+            <a:lumMod val="15000"/>
+            <a:lumOff val="85000"/>
+          </a:schemeClr>
+        </a:solidFill>
+        <a:round/>
+      </a:ln>
+    </cs:spPr>
+  </cs:gridlineMajor>
+  <cs:gridlineMinor>
+    <cs:lnRef idx="0"/>
+    <cs:fillRef idx="0"/>
+    <cs:effectRef idx="0"/>
+    <cs:fontRef idx="minor">
+      <a:schemeClr val="tx1"/>
+    </cs:fontRef>
+    <cs:spPr>
+      <a:ln w="9525" cap="flat" cmpd="sng" algn="ctr">
+        <a:solidFill>
+          <a:schemeClr val="tx1">
+            <a:lumMod val="5000"/>
+            <a:lumOff val="95000"/>
+          </a:schemeClr>
+        </a:solidFill>
+        <a:round/>
+      </a:ln>
+    </cs:spPr>
+  </cs:gridlineMinor>
+  <cs:hiLoLine>
+    <cs:lnRef idx="0"/>
+    <cs:fillRef idx="0"/>
+    <cs:effectRef idx="0"/>
+    <cs:fontRef idx="minor">
+      <a:schemeClr val="tx1"/>
+    </cs:fontRef>
+    <cs:spPr>
+      <a:ln w="9525" cap="flat" cmpd="sng" algn="ctr">
+        <a:solidFill>
+          <a:schemeClr val="tx1">
+            <a:lumMod val="75000"/>
+            <a:lumOff val="25000"/>
+          </a:schemeClr>
+        </a:solidFill>
+        <a:round/>
+      </a:ln>
+    </cs:spPr>
+  </cs:hiLoLine>
+  <cs:leaderLine>
+    <cs:lnRef idx="0"/>
+    <cs:fillRef idx="0"/>
+    <cs:effectRef idx="0"/>
+    <cs:fontRef idx="minor">
+      <a:schemeClr val="tx1"/>
+    </cs:fontRef>
+    <cs:spPr>
+      <a:ln w="9525" cap="flat" cmpd="sng" algn="ctr">
+        <a:solidFill>
+          <a:schemeClr val="tx1">
+            <a:lumMod val="35000"/>
+            <a:lumOff val="65000"/>
+          </a:schemeClr>
+        </a:solidFill>
+        <a:round/>
+      </a:ln>
+    </cs:spPr>
+  </cs:leaderLine>
+  <cs:legend>
+    <cs:lnRef idx="0"/>
+    <cs:fillRef idx="0"/>
+    <cs:effectRef idx="0"/>
+    <cs:fontRef idx="minor">
+      <a:schemeClr val="tx1">
+        <a:lumMod val="65000"/>
+        <a:lumOff val="35000"/>
+      </a:schemeClr>
+    </cs:fontRef>
+    <cs:defRPr sz="1197" kern="1200"/>
+  </cs:legend>
+  <cs:plotArea mods="allowNoFillOverride allowNoLineOverride">
+    <cs:lnRef idx="0"/>
+    <cs:fillRef idx="0"/>
+    <cs:effectRef idx="0"/>
+    <cs:fontRef idx="minor">
+      <a:schemeClr val="tx1"/>
+    </cs:fontRef>
+  </cs:plotArea>
+  <cs:plotArea3D mods="allowNoFillOverride allowNoLineOverride">
+    <cs:lnRef idx="0"/>
+    <cs:fillRef idx="0"/>
+    <cs:effectRef idx="0"/>
+    <cs:fontRef idx="minor">
+      <a:schemeClr val="tx1"/>
+    </cs:fontRef>
+  </cs:plotArea3D>
+  <cs:seriesAxis>
+    <cs:lnRef idx="0"/>
+    <cs:fillRef idx="0"/>
+    <cs:effectRef idx="0"/>
+    <cs:fontRef idx="minor">
+      <a:schemeClr val="tx1">
+        <a:lumMod val="65000"/>
+        <a:lumOff val="35000"/>
+      </a:schemeClr>
+    </cs:fontRef>
+    <cs:defRPr sz="1197" kern="1200"/>
+  </cs:seriesAxis>
+  <cs:seriesLine>
+    <cs:lnRef idx="0"/>
+    <cs:fillRef idx="0"/>
+    <cs:effectRef idx="0"/>
+    <cs:fontRef idx="minor">
+      <a:schemeClr val="tx1"/>
+    </cs:fontRef>
+    <cs:spPr>
+      <a:ln w="9525" cap="flat" cmpd="sng" algn="ctr">
+        <a:solidFill>
+          <a:schemeClr val="tx1">
+            <a:lumMod val="35000"/>
+            <a:lumOff val="65000"/>
+          </a:schemeClr>
+        </a:solidFill>
+        <a:round/>
+      </a:ln>
+    </cs:spPr>
+  </cs:seriesLine>
+  <cs:title>
+    <cs:lnRef idx="0"/>
+    <cs:fillRef idx="0"/>
+    <cs:effectRef idx="0"/>
+    <cs:fontRef idx="minor">
+      <a:schemeClr val="tx1">
+        <a:lumMod val="65000"/>
+        <a:lumOff val="35000"/>
+      </a:schemeClr>
+    </cs:fontRef>
+    <cs:defRPr sz="1862" b="0" kern="1200" spc="0" baseline="0"/>
+  </cs:title>
+  <cs:trendline>
+    <cs:lnRef idx="0">
+      <cs:styleClr val="auto"/>
+    </cs:lnRef>
+    <cs:fillRef idx="0"/>
+    <cs:effectRef idx="0"/>
+    <cs:fontRef idx="minor">
+      <a:schemeClr val="tx1"/>
+    </cs:fontRef>
+    <cs:spPr>
+      <a:ln w="19050" cap="rnd">
+        <a:solidFill>
+          <a:schemeClr val="phClr"/>
+        </a:solidFill>
+        <a:prstDash val="sysDot"/>
+      </a:ln>
+    </cs:spPr>
+  </cs:trendline>
+  <cs:trendlineLabel>
+    <cs:lnRef idx="0"/>
+    <cs:fillRef idx="0"/>
+    <cs:effectRef idx="0"/>
+    <cs:fontRef idx="minor">
+      <a:schemeClr val="tx1">
+        <a:lumMod val="65000"/>
+        <a:lumOff val="35000"/>
+      </a:schemeClr>
+    </cs:fontRef>
+    <cs:defRPr sz="1197" kern="1200"/>
+  </cs:trendlineLabel>
+  <cs:upBar>
+    <cs:lnRef idx="0"/>
+    <cs:fillRef idx="0"/>
+    <cs:effectRef idx="0"/>
+    <cs:fontRef idx="minor">
+      <a:schemeClr val="dk1"/>
+    </cs:fontRef>
+    <cs:spPr>
+      <a:solidFill>
+        <a:schemeClr val="lt1"/>
+      </a:solidFill>
+      <a:ln w="9525">
+        <a:solidFill>
+          <a:schemeClr val="tx1">
+            <a:lumMod val="15000"/>
+            <a:lumOff val="85000"/>
+          </a:schemeClr>
+        </a:solidFill>
+      </a:ln>
+    </cs:spPr>
+  </cs:upBar>
+  <cs:valueAxis>
+    <cs:lnRef idx="0"/>
+    <cs:fillRef idx="0"/>
+    <cs:effectRef idx="0"/>
+    <cs:fontRef idx="minor">
+      <a:schemeClr val="tx1">
+        <a:lumMod val="65000"/>
+        <a:lumOff val="35000"/>
+      </a:schemeClr>
+    </cs:fontRef>
+    <cs:defRPr sz="1197" kern="1200"/>
+  </cs:valueAxis>
+  <cs:wall>
+    <cs:lnRef idx="0"/>
+    <cs:fillRef idx="0"/>
+    <cs:effectRef idx="0"/>
+    <cs:fontRef idx="minor">
+      <a:schemeClr val="tx1"/>
+    </cs:fontRef>
+    <cs:spPr>
+      <a:noFill/>
+      <a:ln>
+        <a:noFill/>
+      </a:ln>
+    </cs:spPr>
+  </cs:wall>
+</cs:chartStyle>
+</file>
+
+<file path=ppt/charts/style160.xml><?xml version="1.0" encoding="utf-8"?>
 <cs:chartStyle xmlns:cs="http://schemas.microsoft.com/office/drawing/2012/chartStyle" xmlns:a="http://schemas.openxmlformats.org/drawingml/2006/main" id="406">
   <cs:axisTitle>
     <cs:lnRef idx="0"/>
@@ -14892,6 +16411,509 @@
 </file>
 
 <file path=ppt/charts/style18.xml><?xml version="1.0" encoding="utf-8"?>
+<cs:chartStyle xmlns:cs="http://schemas.microsoft.com/office/drawing/2012/chartStyle" xmlns:a="http://schemas.openxmlformats.org/drawingml/2006/main" id="201">
+  <cs:axisTitle>
+    <cs:lnRef idx="0"/>
+    <cs:fillRef idx="0"/>
+    <cs:effectRef idx="0"/>
+    <cs:fontRef idx="minor">
+      <a:schemeClr val="tx1">
+        <a:lumMod val="65000"/>
+        <a:lumOff val="35000"/>
+      </a:schemeClr>
+    </cs:fontRef>
+    <cs:defRPr sz="1330" kern="1200"/>
+  </cs:axisTitle>
+  <cs:categoryAxis>
+    <cs:lnRef idx="0"/>
+    <cs:fillRef idx="0"/>
+    <cs:effectRef idx="0"/>
+    <cs:fontRef idx="minor">
+      <a:schemeClr val="tx1">
+        <a:lumMod val="65000"/>
+        <a:lumOff val="35000"/>
+      </a:schemeClr>
+    </cs:fontRef>
+    <cs:spPr>
+      <a:ln w="9525" cap="flat" cmpd="sng" algn="ctr">
+        <a:solidFill>
+          <a:schemeClr val="tx1">
+            <a:lumMod val="15000"/>
+            <a:lumOff val="85000"/>
+          </a:schemeClr>
+        </a:solidFill>
+        <a:round/>
+      </a:ln>
+    </cs:spPr>
+    <cs:defRPr sz="1197" kern="1200"/>
+  </cs:categoryAxis>
+  <cs:chartArea mods="allowNoFillOverride allowNoLineOverride">
+    <cs:lnRef idx="0"/>
+    <cs:fillRef idx="0"/>
+    <cs:effectRef idx="0"/>
+    <cs:fontRef idx="minor">
+      <a:schemeClr val="tx1"/>
+    </cs:fontRef>
+    <cs:spPr>
+      <a:solidFill>
+        <a:schemeClr val="bg1"/>
+      </a:solidFill>
+      <a:ln w="9525" cap="flat" cmpd="sng" algn="ctr">
+        <a:solidFill>
+          <a:schemeClr val="tx1">
+            <a:lumMod val="15000"/>
+            <a:lumOff val="85000"/>
+          </a:schemeClr>
+        </a:solidFill>
+        <a:round/>
+      </a:ln>
+    </cs:spPr>
+    <cs:defRPr sz="1330" kern="1200"/>
+  </cs:chartArea>
+  <cs:dataLabel>
+    <cs:lnRef idx="0"/>
+    <cs:fillRef idx="0"/>
+    <cs:effectRef idx="0"/>
+    <cs:fontRef idx="minor">
+      <a:schemeClr val="tx1">
+        <a:lumMod val="75000"/>
+        <a:lumOff val="25000"/>
+      </a:schemeClr>
+    </cs:fontRef>
+    <cs:defRPr sz="1197" kern="1200"/>
+  </cs:dataLabel>
+  <cs:dataLabelCallout>
+    <cs:lnRef idx="0"/>
+    <cs:fillRef idx="0"/>
+    <cs:effectRef idx="0"/>
+    <cs:fontRef idx="minor">
+      <a:schemeClr val="dk1">
+        <a:lumMod val="65000"/>
+        <a:lumOff val="35000"/>
+      </a:schemeClr>
+    </cs:fontRef>
+    <cs:spPr>
+      <a:solidFill>
+        <a:schemeClr val="lt1"/>
+      </a:solidFill>
+      <a:ln>
+        <a:solidFill>
+          <a:schemeClr val="dk1">
+            <a:lumMod val="25000"/>
+            <a:lumOff val="75000"/>
+          </a:schemeClr>
+        </a:solidFill>
+      </a:ln>
+    </cs:spPr>
+    <cs:defRPr sz="1197" kern="1200"/>
+    <cs:bodyPr rot="0" spcFirstLastPara="1" vertOverflow="clip" horzOverflow="clip" vert="horz" wrap="square" lIns="36576" tIns="18288" rIns="36576" bIns="18288" anchor="ctr" anchorCtr="1">
+      <a:spAutoFit/>
+    </cs:bodyPr>
+  </cs:dataLabelCallout>
+  <cs:dataPoint>
+    <cs:lnRef idx="0"/>
+    <cs:fillRef idx="1">
+      <cs:styleClr val="auto"/>
+    </cs:fillRef>
+    <cs:effectRef idx="0"/>
+    <cs:fontRef idx="minor">
+      <a:schemeClr val="tx1"/>
+    </cs:fontRef>
+  </cs:dataPoint>
+  <cs:dataPoint3D>
+    <cs:lnRef idx="0"/>
+    <cs:fillRef idx="1">
+      <cs:styleClr val="auto"/>
+    </cs:fillRef>
+    <cs:effectRef idx="0"/>
+    <cs:fontRef idx="minor">
+      <a:schemeClr val="tx1"/>
+    </cs:fontRef>
+  </cs:dataPoint3D>
+  <cs:dataPointLine>
+    <cs:lnRef idx="0">
+      <cs:styleClr val="auto"/>
+    </cs:lnRef>
+    <cs:fillRef idx="1"/>
+    <cs:effectRef idx="0"/>
+    <cs:fontRef idx="minor">
+      <a:schemeClr val="tx1"/>
+    </cs:fontRef>
+    <cs:spPr>
+      <a:ln w="28575" cap="rnd">
+        <a:solidFill>
+          <a:schemeClr val="phClr"/>
+        </a:solidFill>
+        <a:round/>
+      </a:ln>
+    </cs:spPr>
+  </cs:dataPointLine>
+  <cs:dataPointMarker>
+    <cs:lnRef idx="0">
+      <cs:styleClr val="auto"/>
+    </cs:lnRef>
+    <cs:fillRef idx="1">
+      <cs:styleClr val="auto"/>
+    </cs:fillRef>
+    <cs:effectRef idx="0"/>
+    <cs:fontRef idx="minor">
+      <a:schemeClr val="tx1"/>
+    </cs:fontRef>
+    <cs:spPr>
+      <a:ln w="9525">
+        <a:solidFill>
+          <a:schemeClr val="phClr"/>
+        </a:solidFill>
+      </a:ln>
+    </cs:spPr>
+  </cs:dataPointMarker>
+  <cs:dataPointMarkerLayout symbol="circle" size="5"/>
+  <cs:dataPointWireframe>
+    <cs:lnRef idx="0">
+      <cs:styleClr val="auto"/>
+    </cs:lnRef>
+    <cs:fillRef idx="1"/>
+    <cs:effectRef idx="0"/>
+    <cs:fontRef idx="minor">
+      <a:schemeClr val="tx1"/>
+    </cs:fontRef>
+    <cs:spPr>
+      <a:ln w="9525" cap="rnd">
+        <a:solidFill>
+          <a:schemeClr val="phClr"/>
+        </a:solidFill>
+        <a:round/>
+      </a:ln>
+    </cs:spPr>
+  </cs:dataPointWireframe>
+  <cs:dataTable>
+    <cs:lnRef idx="0"/>
+    <cs:fillRef idx="0"/>
+    <cs:effectRef idx="0"/>
+    <cs:fontRef idx="minor">
+      <a:schemeClr val="tx1">
+        <a:lumMod val="65000"/>
+        <a:lumOff val="35000"/>
+      </a:schemeClr>
+    </cs:fontRef>
+    <cs:spPr>
+      <a:noFill/>
+      <a:ln w="9525" cap="flat" cmpd="sng" algn="ctr">
+        <a:solidFill>
+          <a:schemeClr val="tx1">
+            <a:lumMod val="15000"/>
+            <a:lumOff val="85000"/>
+          </a:schemeClr>
+        </a:solidFill>
+        <a:round/>
+      </a:ln>
+    </cs:spPr>
+    <cs:defRPr sz="1197" kern="1200"/>
+  </cs:dataTable>
+  <cs:downBar>
+    <cs:lnRef idx="0"/>
+    <cs:fillRef idx="0"/>
+    <cs:effectRef idx="0"/>
+    <cs:fontRef idx="minor">
+      <a:schemeClr val="dk1"/>
+    </cs:fontRef>
+    <cs:spPr>
+      <a:solidFill>
+        <a:schemeClr val="dk1">
+          <a:lumMod val="65000"/>
+          <a:lumOff val="35000"/>
+        </a:schemeClr>
+      </a:solidFill>
+      <a:ln w="9525">
+        <a:solidFill>
+          <a:schemeClr val="tx1">
+            <a:lumMod val="65000"/>
+            <a:lumOff val="35000"/>
+          </a:schemeClr>
+        </a:solidFill>
+      </a:ln>
+    </cs:spPr>
+  </cs:downBar>
+  <cs:dropLine>
+    <cs:lnRef idx="0"/>
+    <cs:fillRef idx="0"/>
+    <cs:effectRef idx="0"/>
+    <cs:fontRef idx="minor">
+      <a:schemeClr val="tx1"/>
+    </cs:fontRef>
+    <cs:spPr>
+      <a:ln w="9525" cap="flat" cmpd="sng" algn="ctr">
+        <a:solidFill>
+          <a:schemeClr val="tx1">
+            <a:lumMod val="35000"/>
+            <a:lumOff val="65000"/>
+          </a:schemeClr>
+        </a:solidFill>
+        <a:round/>
+      </a:ln>
+    </cs:spPr>
+  </cs:dropLine>
+  <cs:errorBar>
+    <cs:lnRef idx="0"/>
+    <cs:fillRef idx="0"/>
+    <cs:effectRef idx="0"/>
+    <cs:fontRef idx="minor">
+      <a:schemeClr val="tx1"/>
+    </cs:fontRef>
+    <cs:spPr>
+      <a:ln w="9525" cap="flat" cmpd="sng" algn="ctr">
+        <a:solidFill>
+          <a:schemeClr val="tx1">
+            <a:lumMod val="65000"/>
+            <a:lumOff val="35000"/>
+          </a:schemeClr>
+        </a:solidFill>
+        <a:round/>
+      </a:ln>
+    </cs:spPr>
+  </cs:errorBar>
+  <cs:floor>
+    <cs:lnRef idx="0"/>
+    <cs:fillRef idx="0"/>
+    <cs:effectRef idx="0"/>
+    <cs:fontRef idx="minor">
+      <a:schemeClr val="tx1"/>
+    </cs:fontRef>
+    <cs:spPr>
+      <a:noFill/>
+      <a:ln>
+        <a:noFill/>
+      </a:ln>
+    </cs:spPr>
+  </cs:floor>
+  <cs:gridlineMajor>
+    <cs:lnRef idx="0"/>
+    <cs:fillRef idx="0"/>
+    <cs:effectRef idx="0"/>
+    <cs:fontRef idx="minor">
+      <a:schemeClr val="tx1"/>
+    </cs:fontRef>
+    <cs:spPr>
+      <a:ln w="9525" cap="flat" cmpd="sng" algn="ctr">
+        <a:solidFill>
+          <a:schemeClr val="tx1">
+            <a:lumMod val="15000"/>
+            <a:lumOff val="85000"/>
+          </a:schemeClr>
+        </a:solidFill>
+        <a:round/>
+      </a:ln>
+    </cs:spPr>
+  </cs:gridlineMajor>
+  <cs:gridlineMinor>
+    <cs:lnRef idx="0"/>
+    <cs:fillRef idx="0"/>
+    <cs:effectRef idx="0"/>
+    <cs:fontRef idx="minor">
+      <a:schemeClr val="tx1"/>
+    </cs:fontRef>
+    <cs:spPr>
+      <a:ln w="9525" cap="flat" cmpd="sng" algn="ctr">
+        <a:solidFill>
+          <a:schemeClr val="tx1">
+            <a:lumMod val="5000"/>
+            <a:lumOff val="95000"/>
+          </a:schemeClr>
+        </a:solidFill>
+        <a:round/>
+      </a:ln>
+    </cs:spPr>
+  </cs:gridlineMinor>
+  <cs:hiLoLine>
+    <cs:lnRef idx="0"/>
+    <cs:fillRef idx="0"/>
+    <cs:effectRef idx="0"/>
+    <cs:fontRef idx="minor">
+      <a:schemeClr val="tx1"/>
+    </cs:fontRef>
+    <cs:spPr>
+      <a:ln w="9525" cap="flat" cmpd="sng" algn="ctr">
+        <a:solidFill>
+          <a:schemeClr val="tx1">
+            <a:lumMod val="75000"/>
+            <a:lumOff val="25000"/>
+          </a:schemeClr>
+        </a:solidFill>
+        <a:round/>
+      </a:ln>
+    </cs:spPr>
+  </cs:hiLoLine>
+  <cs:leaderLine>
+    <cs:lnRef idx="0"/>
+    <cs:fillRef idx="0"/>
+    <cs:effectRef idx="0"/>
+    <cs:fontRef idx="minor">
+      <a:schemeClr val="tx1"/>
+    </cs:fontRef>
+    <cs:spPr>
+      <a:ln w="9525" cap="flat" cmpd="sng" algn="ctr">
+        <a:solidFill>
+          <a:schemeClr val="tx1">
+            <a:lumMod val="35000"/>
+            <a:lumOff val="65000"/>
+          </a:schemeClr>
+        </a:solidFill>
+        <a:round/>
+      </a:ln>
+    </cs:spPr>
+  </cs:leaderLine>
+  <cs:legend>
+    <cs:lnRef idx="0"/>
+    <cs:fillRef idx="0"/>
+    <cs:effectRef idx="0"/>
+    <cs:fontRef idx="minor">
+      <a:schemeClr val="tx1">
+        <a:lumMod val="65000"/>
+        <a:lumOff val="35000"/>
+      </a:schemeClr>
+    </cs:fontRef>
+    <cs:defRPr sz="1197" kern="1200"/>
+  </cs:legend>
+  <cs:plotArea mods="allowNoFillOverride allowNoLineOverride">
+    <cs:lnRef idx="0"/>
+    <cs:fillRef idx="0"/>
+    <cs:effectRef idx="0"/>
+    <cs:fontRef idx="minor">
+      <a:schemeClr val="tx1"/>
+    </cs:fontRef>
+  </cs:plotArea>
+  <cs:plotArea3D mods="allowNoFillOverride allowNoLineOverride">
+    <cs:lnRef idx="0"/>
+    <cs:fillRef idx="0"/>
+    <cs:effectRef idx="0"/>
+    <cs:fontRef idx="minor">
+      <a:schemeClr val="tx1"/>
+    </cs:fontRef>
+  </cs:plotArea3D>
+  <cs:seriesAxis>
+    <cs:lnRef idx="0"/>
+    <cs:fillRef idx="0"/>
+    <cs:effectRef idx="0"/>
+    <cs:fontRef idx="minor">
+      <a:schemeClr val="tx1">
+        <a:lumMod val="65000"/>
+        <a:lumOff val="35000"/>
+      </a:schemeClr>
+    </cs:fontRef>
+    <cs:defRPr sz="1197" kern="1200"/>
+  </cs:seriesAxis>
+  <cs:seriesLine>
+    <cs:lnRef idx="0"/>
+    <cs:fillRef idx="0"/>
+    <cs:effectRef idx="0"/>
+    <cs:fontRef idx="minor">
+      <a:schemeClr val="tx1"/>
+    </cs:fontRef>
+    <cs:spPr>
+      <a:ln w="9525" cap="flat" cmpd="sng" algn="ctr">
+        <a:solidFill>
+          <a:schemeClr val="tx1">
+            <a:lumMod val="35000"/>
+            <a:lumOff val="65000"/>
+          </a:schemeClr>
+        </a:solidFill>
+        <a:round/>
+      </a:ln>
+    </cs:spPr>
+  </cs:seriesLine>
+  <cs:title>
+    <cs:lnRef idx="0"/>
+    <cs:fillRef idx="0"/>
+    <cs:effectRef idx="0"/>
+    <cs:fontRef idx="minor">
+      <a:schemeClr val="tx1">
+        <a:lumMod val="65000"/>
+        <a:lumOff val="35000"/>
+      </a:schemeClr>
+    </cs:fontRef>
+    <cs:defRPr sz="1862" b="0" kern="1200" spc="0" baseline="0"/>
+  </cs:title>
+  <cs:trendline>
+    <cs:lnRef idx="0">
+      <cs:styleClr val="auto"/>
+    </cs:lnRef>
+    <cs:fillRef idx="0"/>
+    <cs:effectRef idx="0"/>
+    <cs:fontRef idx="minor">
+      <a:schemeClr val="tx1"/>
+    </cs:fontRef>
+    <cs:spPr>
+      <a:ln w="19050" cap="rnd">
+        <a:solidFill>
+          <a:schemeClr val="phClr"/>
+        </a:solidFill>
+        <a:prstDash val="sysDot"/>
+      </a:ln>
+    </cs:spPr>
+  </cs:trendline>
+  <cs:trendlineLabel>
+    <cs:lnRef idx="0"/>
+    <cs:fillRef idx="0"/>
+    <cs:effectRef idx="0"/>
+    <cs:fontRef idx="minor">
+      <a:schemeClr val="tx1">
+        <a:lumMod val="65000"/>
+        <a:lumOff val="35000"/>
+      </a:schemeClr>
+    </cs:fontRef>
+    <cs:defRPr sz="1197" kern="1200"/>
+  </cs:trendlineLabel>
+  <cs:upBar>
+    <cs:lnRef idx="0"/>
+    <cs:fillRef idx="0"/>
+    <cs:effectRef idx="0"/>
+    <cs:fontRef idx="minor">
+      <a:schemeClr val="dk1"/>
+    </cs:fontRef>
+    <cs:spPr>
+      <a:solidFill>
+        <a:schemeClr val="lt1"/>
+      </a:solidFill>
+      <a:ln w="9525">
+        <a:solidFill>
+          <a:schemeClr val="tx1">
+            <a:lumMod val="15000"/>
+            <a:lumOff val="85000"/>
+          </a:schemeClr>
+        </a:solidFill>
+      </a:ln>
+    </cs:spPr>
+  </cs:upBar>
+  <cs:valueAxis>
+    <cs:lnRef idx="0"/>
+    <cs:fillRef idx="0"/>
+    <cs:effectRef idx="0"/>
+    <cs:fontRef idx="minor">
+      <a:schemeClr val="tx1">
+        <a:lumMod val="65000"/>
+        <a:lumOff val="35000"/>
+      </a:schemeClr>
+    </cs:fontRef>
+    <cs:defRPr sz="1197" kern="1200"/>
+  </cs:valueAxis>
+  <cs:wall>
+    <cs:lnRef idx="0"/>
+    <cs:fillRef idx="0"/>
+    <cs:effectRef idx="0"/>
+    <cs:fontRef idx="minor">
+      <a:schemeClr val="tx1"/>
+    </cs:fontRef>
+    <cs:spPr>
+      <a:noFill/>
+      <a:ln>
+        <a:noFill/>
+      </a:ln>
+    </cs:spPr>
+  </cs:wall>
+</cs:chartStyle>
+</file>
+
+<file path=ppt/charts/style180.xml><?xml version="1.0" encoding="utf-8"?>
 <cs:chartStyle xmlns:cs="http://schemas.microsoft.com/office/drawing/2012/chartStyle" xmlns:a="http://schemas.openxmlformats.org/drawingml/2006/main" id="406">
   <cs:axisTitle>
     <cs:lnRef idx="0"/>
@@ -16887,2018 +18909,6 @@
 </file>
 
 <file path=ppt/charts/style21.xml><?xml version="1.0" encoding="utf-8"?>
-<cs:chartStyle xmlns:cs="http://schemas.microsoft.com/office/drawing/2012/chartStyle" xmlns:a="http://schemas.openxmlformats.org/drawingml/2006/main" id="201">
-  <cs:axisTitle>
-    <cs:lnRef idx="0"/>
-    <cs:fillRef idx="0"/>
-    <cs:effectRef idx="0"/>
-    <cs:fontRef idx="minor">
-      <a:schemeClr val="tx1">
-        <a:lumMod val="65000"/>
-        <a:lumOff val="35000"/>
-      </a:schemeClr>
-    </cs:fontRef>
-    <cs:defRPr sz="1330" kern="1200"/>
-  </cs:axisTitle>
-  <cs:categoryAxis>
-    <cs:lnRef idx="0"/>
-    <cs:fillRef idx="0"/>
-    <cs:effectRef idx="0"/>
-    <cs:fontRef idx="minor">
-      <a:schemeClr val="tx1">
-        <a:lumMod val="65000"/>
-        <a:lumOff val="35000"/>
-      </a:schemeClr>
-    </cs:fontRef>
-    <cs:spPr>
-      <a:ln w="9525" cap="flat" cmpd="sng" algn="ctr">
-        <a:solidFill>
-          <a:schemeClr val="tx1">
-            <a:lumMod val="15000"/>
-            <a:lumOff val="85000"/>
-          </a:schemeClr>
-        </a:solidFill>
-        <a:round/>
-      </a:ln>
-    </cs:spPr>
-    <cs:defRPr sz="1197" kern="1200"/>
-  </cs:categoryAxis>
-  <cs:chartArea mods="allowNoFillOverride allowNoLineOverride">
-    <cs:lnRef idx="0"/>
-    <cs:fillRef idx="0"/>
-    <cs:effectRef idx="0"/>
-    <cs:fontRef idx="minor">
-      <a:schemeClr val="tx1"/>
-    </cs:fontRef>
-    <cs:spPr>
-      <a:solidFill>
-        <a:schemeClr val="bg1"/>
-      </a:solidFill>
-      <a:ln w="9525" cap="flat" cmpd="sng" algn="ctr">
-        <a:solidFill>
-          <a:schemeClr val="tx1">
-            <a:lumMod val="15000"/>
-            <a:lumOff val="85000"/>
-          </a:schemeClr>
-        </a:solidFill>
-        <a:round/>
-      </a:ln>
-    </cs:spPr>
-    <cs:defRPr sz="1330" kern="1200"/>
-  </cs:chartArea>
-  <cs:dataLabel>
-    <cs:lnRef idx="0"/>
-    <cs:fillRef idx="0"/>
-    <cs:effectRef idx="0"/>
-    <cs:fontRef idx="minor">
-      <a:schemeClr val="tx1">
-        <a:lumMod val="75000"/>
-        <a:lumOff val="25000"/>
-      </a:schemeClr>
-    </cs:fontRef>
-    <cs:defRPr sz="1197" kern="1200"/>
-  </cs:dataLabel>
-  <cs:dataLabelCallout>
-    <cs:lnRef idx="0"/>
-    <cs:fillRef idx="0"/>
-    <cs:effectRef idx="0"/>
-    <cs:fontRef idx="minor">
-      <a:schemeClr val="dk1">
-        <a:lumMod val="65000"/>
-        <a:lumOff val="35000"/>
-      </a:schemeClr>
-    </cs:fontRef>
-    <cs:spPr>
-      <a:solidFill>
-        <a:schemeClr val="lt1"/>
-      </a:solidFill>
-      <a:ln>
-        <a:solidFill>
-          <a:schemeClr val="dk1">
-            <a:lumMod val="25000"/>
-            <a:lumOff val="75000"/>
-          </a:schemeClr>
-        </a:solidFill>
-      </a:ln>
-    </cs:spPr>
-    <cs:defRPr sz="1197" kern="1200"/>
-    <cs:bodyPr rot="0" spcFirstLastPara="1" vertOverflow="clip" horzOverflow="clip" vert="horz" wrap="square" lIns="36576" tIns="18288" rIns="36576" bIns="18288" anchor="ctr" anchorCtr="1">
-      <a:spAutoFit/>
-    </cs:bodyPr>
-  </cs:dataLabelCallout>
-  <cs:dataPoint>
-    <cs:lnRef idx="0"/>
-    <cs:fillRef idx="1">
-      <cs:styleClr val="auto"/>
-    </cs:fillRef>
-    <cs:effectRef idx="0"/>
-    <cs:fontRef idx="minor">
-      <a:schemeClr val="tx1"/>
-    </cs:fontRef>
-  </cs:dataPoint>
-  <cs:dataPoint3D>
-    <cs:lnRef idx="0"/>
-    <cs:fillRef idx="1">
-      <cs:styleClr val="auto"/>
-    </cs:fillRef>
-    <cs:effectRef idx="0"/>
-    <cs:fontRef idx="minor">
-      <a:schemeClr val="tx1"/>
-    </cs:fontRef>
-  </cs:dataPoint3D>
-  <cs:dataPointLine>
-    <cs:lnRef idx="0">
-      <cs:styleClr val="auto"/>
-    </cs:lnRef>
-    <cs:fillRef idx="1"/>
-    <cs:effectRef idx="0"/>
-    <cs:fontRef idx="minor">
-      <a:schemeClr val="tx1"/>
-    </cs:fontRef>
-    <cs:spPr>
-      <a:ln w="28575" cap="rnd">
-        <a:solidFill>
-          <a:schemeClr val="phClr"/>
-        </a:solidFill>
-        <a:round/>
-      </a:ln>
-    </cs:spPr>
-  </cs:dataPointLine>
-  <cs:dataPointMarker>
-    <cs:lnRef idx="0">
-      <cs:styleClr val="auto"/>
-    </cs:lnRef>
-    <cs:fillRef idx="1">
-      <cs:styleClr val="auto"/>
-    </cs:fillRef>
-    <cs:effectRef idx="0"/>
-    <cs:fontRef idx="minor">
-      <a:schemeClr val="tx1"/>
-    </cs:fontRef>
-    <cs:spPr>
-      <a:ln w="9525">
-        <a:solidFill>
-          <a:schemeClr val="phClr"/>
-        </a:solidFill>
-      </a:ln>
-    </cs:spPr>
-  </cs:dataPointMarker>
-  <cs:dataPointMarkerLayout symbol="circle" size="5"/>
-  <cs:dataPointWireframe>
-    <cs:lnRef idx="0">
-      <cs:styleClr val="auto"/>
-    </cs:lnRef>
-    <cs:fillRef idx="1"/>
-    <cs:effectRef idx="0"/>
-    <cs:fontRef idx="minor">
-      <a:schemeClr val="tx1"/>
-    </cs:fontRef>
-    <cs:spPr>
-      <a:ln w="9525" cap="rnd">
-        <a:solidFill>
-          <a:schemeClr val="phClr"/>
-        </a:solidFill>
-        <a:round/>
-      </a:ln>
-    </cs:spPr>
-  </cs:dataPointWireframe>
-  <cs:dataTable>
-    <cs:lnRef idx="0"/>
-    <cs:fillRef idx="0"/>
-    <cs:effectRef idx="0"/>
-    <cs:fontRef idx="minor">
-      <a:schemeClr val="tx1">
-        <a:lumMod val="65000"/>
-        <a:lumOff val="35000"/>
-      </a:schemeClr>
-    </cs:fontRef>
-    <cs:spPr>
-      <a:noFill/>
-      <a:ln w="9525" cap="flat" cmpd="sng" algn="ctr">
-        <a:solidFill>
-          <a:schemeClr val="tx1">
-            <a:lumMod val="15000"/>
-            <a:lumOff val="85000"/>
-          </a:schemeClr>
-        </a:solidFill>
-        <a:round/>
-      </a:ln>
-    </cs:spPr>
-    <cs:defRPr sz="1197" kern="1200"/>
-  </cs:dataTable>
-  <cs:downBar>
-    <cs:lnRef idx="0"/>
-    <cs:fillRef idx="0"/>
-    <cs:effectRef idx="0"/>
-    <cs:fontRef idx="minor">
-      <a:schemeClr val="dk1"/>
-    </cs:fontRef>
-    <cs:spPr>
-      <a:solidFill>
-        <a:schemeClr val="dk1">
-          <a:lumMod val="65000"/>
-          <a:lumOff val="35000"/>
-        </a:schemeClr>
-      </a:solidFill>
-      <a:ln w="9525">
-        <a:solidFill>
-          <a:schemeClr val="tx1">
-            <a:lumMod val="65000"/>
-            <a:lumOff val="35000"/>
-          </a:schemeClr>
-        </a:solidFill>
-      </a:ln>
-    </cs:spPr>
-  </cs:downBar>
-  <cs:dropLine>
-    <cs:lnRef idx="0"/>
-    <cs:fillRef idx="0"/>
-    <cs:effectRef idx="0"/>
-    <cs:fontRef idx="minor">
-      <a:schemeClr val="tx1"/>
-    </cs:fontRef>
-    <cs:spPr>
-      <a:ln w="9525" cap="flat" cmpd="sng" algn="ctr">
-        <a:solidFill>
-          <a:schemeClr val="tx1">
-            <a:lumMod val="35000"/>
-            <a:lumOff val="65000"/>
-          </a:schemeClr>
-        </a:solidFill>
-        <a:round/>
-      </a:ln>
-    </cs:spPr>
-  </cs:dropLine>
-  <cs:errorBar>
-    <cs:lnRef idx="0"/>
-    <cs:fillRef idx="0"/>
-    <cs:effectRef idx="0"/>
-    <cs:fontRef idx="minor">
-      <a:schemeClr val="tx1"/>
-    </cs:fontRef>
-    <cs:spPr>
-      <a:ln w="9525" cap="flat" cmpd="sng" algn="ctr">
-        <a:solidFill>
-          <a:schemeClr val="tx1">
-            <a:lumMod val="65000"/>
-            <a:lumOff val="35000"/>
-          </a:schemeClr>
-        </a:solidFill>
-        <a:round/>
-      </a:ln>
-    </cs:spPr>
-  </cs:errorBar>
-  <cs:floor>
-    <cs:lnRef idx="0"/>
-    <cs:fillRef idx="0"/>
-    <cs:effectRef idx="0"/>
-    <cs:fontRef idx="minor">
-      <a:schemeClr val="tx1"/>
-    </cs:fontRef>
-    <cs:spPr>
-      <a:noFill/>
-      <a:ln>
-        <a:noFill/>
-      </a:ln>
-    </cs:spPr>
-  </cs:floor>
-  <cs:gridlineMajor>
-    <cs:lnRef idx="0"/>
-    <cs:fillRef idx="0"/>
-    <cs:effectRef idx="0"/>
-    <cs:fontRef idx="minor">
-      <a:schemeClr val="tx1"/>
-    </cs:fontRef>
-    <cs:spPr>
-      <a:ln w="9525" cap="flat" cmpd="sng" algn="ctr">
-        <a:solidFill>
-          <a:schemeClr val="tx1">
-            <a:lumMod val="15000"/>
-            <a:lumOff val="85000"/>
-          </a:schemeClr>
-        </a:solidFill>
-        <a:round/>
-      </a:ln>
-    </cs:spPr>
-  </cs:gridlineMajor>
-  <cs:gridlineMinor>
-    <cs:lnRef idx="0"/>
-    <cs:fillRef idx="0"/>
-    <cs:effectRef idx="0"/>
-    <cs:fontRef idx="minor">
-      <a:schemeClr val="tx1"/>
-    </cs:fontRef>
-    <cs:spPr>
-      <a:ln w="9525" cap="flat" cmpd="sng" algn="ctr">
-        <a:solidFill>
-          <a:schemeClr val="tx1">
-            <a:lumMod val="5000"/>
-            <a:lumOff val="95000"/>
-          </a:schemeClr>
-        </a:solidFill>
-        <a:round/>
-      </a:ln>
-    </cs:spPr>
-  </cs:gridlineMinor>
-  <cs:hiLoLine>
-    <cs:lnRef idx="0"/>
-    <cs:fillRef idx="0"/>
-    <cs:effectRef idx="0"/>
-    <cs:fontRef idx="minor">
-      <a:schemeClr val="tx1"/>
-    </cs:fontRef>
-    <cs:spPr>
-      <a:ln w="9525" cap="flat" cmpd="sng" algn="ctr">
-        <a:solidFill>
-          <a:schemeClr val="tx1">
-            <a:lumMod val="75000"/>
-            <a:lumOff val="25000"/>
-          </a:schemeClr>
-        </a:solidFill>
-        <a:round/>
-      </a:ln>
-    </cs:spPr>
-  </cs:hiLoLine>
-  <cs:leaderLine>
-    <cs:lnRef idx="0"/>
-    <cs:fillRef idx="0"/>
-    <cs:effectRef idx="0"/>
-    <cs:fontRef idx="minor">
-      <a:schemeClr val="tx1"/>
-    </cs:fontRef>
-    <cs:spPr>
-      <a:ln w="9525" cap="flat" cmpd="sng" algn="ctr">
-        <a:solidFill>
-          <a:schemeClr val="tx1">
-            <a:lumMod val="35000"/>
-            <a:lumOff val="65000"/>
-          </a:schemeClr>
-        </a:solidFill>
-        <a:round/>
-      </a:ln>
-    </cs:spPr>
-  </cs:leaderLine>
-  <cs:legend>
-    <cs:lnRef idx="0"/>
-    <cs:fillRef idx="0"/>
-    <cs:effectRef idx="0"/>
-    <cs:fontRef idx="minor">
-      <a:schemeClr val="tx1">
-        <a:lumMod val="65000"/>
-        <a:lumOff val="35000"/>
-      </a:schemeClr>
-    </cs:fontRef>
-    <cs:defRPr sz="1197" kern="1200"/>
-  </cs:legend>
-  <cs:plotArea mods="allowNoFillOverride allowNoLineOverride">
-    <cs:lnRef idx="0"/>
-    <cs:fillRef idx="0"/>
-    <cs:effectRef idx="0"/>
-    <cs:fontRef idx="minor">
-      <a:schemeClr val="tx1"/>
-    </cs:fontRef>
-  </cs:plotArea>
-  <cs:plotArea3D mods="allowNoFillOverride allowNoLineOverride">
-    <cs:lnRef idx="0"/>
-    <cs:fillRef idx="0"/>
-    <cs:effectRef idx="0"/>
-    <cs:fontRef idx="minor">
-      <a:schemeClr val="tx1"/>
-    </cs:fontRef>
-  </cs:plotArea3D>
-  <cs:seriesAxis>
-    <cs:lnRef idx="0"/>
-    <cs:fillRef idx="0"/>
-    <cs:effectRef idx="0"/>
-    <cs:fontRef idx="minor">
-      <a:schemeClr val="tx1">
-        <a:lumMod val="65000"/>
-        <a:lumOff val="35000"/>
-      </a:schemeClr>
-    </cs:fontRef>
-    <cs:defRPr sz="1197" kern="1200"/>
-  </cs:seriesAxis>
-  <cs:seriesLine>
-    <cs:lnRef idx="0"/>
-    <cs:fillRef idx="0"/>
-    <cs:effectRef idx="0"/>
-    <cs:fontRef idx="minor">
-      <a:schemeClr val="tx1"/>
-    </cs:fontRef>
-    <cs:spPr>
-      <a:ln w="9525" cap="flat" cmpd="sng" algn="ctr">
-        <a:solidFill>
-          <a:schemeClr val="tx1">
-            <a:lumMod val="35000"/>
-            <a:lumOff val="65000"/>
-          </a:schemeClr>
-        </a:solidFill>
-        <a:round/>
-      </a:ln>
-    </cs:spPr>
-  </cs:seriesLine>
-  <cs:title>
-    <cs:lnRef idx="0"/>
-    <cs:fillRef idx="0"/>
-    <cs:effectRef idx="0"/>
-    <cs:fontRef idx="minor">
-      <a:schemeClr val="tx1">
-        <a:lumMod val="65000"/>
-        <a:lumOff val="35000"/>
-      </a:schemeClr>
-    </cs:fontRef>
-    <cs:defRPr sz="1862" b="0" kern="1200" spc="0" baseline="0"/>
-  </cs:title>
-  <cs:trendline>
-    <cs:lnRef idx="0">
-      <cs:styleClr val="auto"/>
-    </cs:lnRef>
-    <cs:fillRef idx="0"/>
-    <cs:effectRef idx="0"/>
-    <cs:fontRef idx="minor">
-      <a:schemeClr val="tx1"/>
-    </cs:fontRef>
-    <cs:spPr>
-      <a:ln w="19050" cap="rnd">
-        <a:solidFill>
-          <a:schemeClr val="phClr"/>
-        </a:solidFill>
-        <a:prstDash val="sysDot"/>
-      </a:ln>
-    </cs:spPr>
-  </cs:trendline>
-  <cs:trendlineLabel>
-    <cs:lnRef idx="0"/>
-    <cs:fillRef idx="0"/>
-    <cs:effectRef idx="0"/>
-    <cs:fontRef idx="minor">
-      <a:schemeClr val="tx1">
-        <a:lumMod val="65000"/>
-        <a:lumOff val="35000"/>
-      </a:schemeClr>
-    </cs:fontRef>
-    <cs:defRPr sz="1197" kern="1200"/>
-  </cs:trendlineLabel>
-  <cs:upBar>
-    <cs:lnRef idx="0"/>
-    <cs:fillRef idx="0"/>
-    <cs:effectRef idx="0"/>
-    <cs:fontRef idx="minor">
-      <a:schemeClr val="dk1"/>
-    </cs:fontRef>
-    <cs:spPr>
-      <a:solidFill>
-        <a:schemeClr val="lt1"/>
-      </a:solidFill>
-      <a:ln w="9525">
-        <a:solidFill>
-          <a:schemeClr val="tx1">
-            <a:lumMod val="15000"/>
-            <a:lumOff val="85000"/>
-          </a:schemeClr>
-        </a:solidFill>
-      </a:ln>
-    </cs:spPr>
-  </cs:upBar>
-  <cs:valueAxis>
-    <cs:lnRef idx="0"/>
-    <cs:fillRef idx="0"/>
-    <cs:effectRef idx="0"/>
-    <cs:fontRef idx="minor">
-      <a:schemeClr val="tx1">
-        <a:lumMod val="65000"/>
-        <a:lumOff val="35000"/>
-      </a:schemeClr>
-    </cs:fontRef>
-    <cs:defRPr sz="1197" kern="1200"/>
-  </cs:valueAxis>
-  <cs:wall>
-    <cs:lnRef idx="0"/>
-    <cs:fillRef idx="0"/>
-    <cs:effectRef idx="0"/>
-    <cs:fontRef idx="minor">
-      <a:schemeClr val="tx1"/>
-    </cs:fontRef>
-    <cs:spPr>
-      <a:noFill/>
-      <a:ln>
-        <a:noFill/>
-      </a:ln>
-    </cs:spPr>
-  </cs:wall>
-</cs:chartStyle>
-</file>
-
-<file path=ppt/charts/style22.xml><?xml version="1.0" encoding="utf-8"?>
-<cs:chartStyle xmlns:cs="http://schemas.microsoft.com/office/drawing/2012/chartStyle" xmlns:a="http://schemas.openxmlformats.org/drawingml/2006/main" id="201">
-  <cs:axisTitle>
-    <cs:lnRef idx="0"/>
-    <cs:fillRef idx="0"/>
-    <cs:effectRef idx="0"/>
-    <cs:fontRef idx="minor">
-      <a:schemeClr val="tx1">
-        <a:lumMod val="65000"/>
-        <a:lumOff val="35000"/>
-      </a:schemeClr>
-    </cs:fontRef>
-    <cs:defRPr sz="1330" kern="1200"/>
-  </cs:axisTitle>
-  <cs:categoryAxis>
-    <cs:lnRef idx="0"/>
-    <cs:fillRef idx="0"/>
-    <cs:effectRef idx="0"/>
-    <cs:fontRef idx="minor">
-      <a:schemeClr val="tx1">
-        <a:lumMod val="65000"/>
-        <a:lumOff val="35000"/>
-      </a:schemeClr>
-    </cs:fontRef>
-    <cs:spPr>
-      <a:ln w="9525" cap="flat" cmpd="sng" algn="ctr">
-        <a:solidFill>
-          <a:schemeClr val="tx1">
-            <a:lumMod val="15000"/>
-            <a:lumOff val="85000"/>
-          </a:schemeClr>
-        </a:solidFill>
-        <a:round/>
-      </a:ln>
-    </cs:spPr>
-    <cs:defRPr sz="1197" kern="1200"/>
-  </cs:categoryAxis>
-  <cs:chartArea mods="allowNoFillOverride allowNoLineOverride">
-    <cs:lnRef idx="0"/>
-    <cs:fillRef idx="0"/>
-    <cs:effectRef idx="0"/>
-    <cs:fontRef idx="minor">
-      <a:schemeClr val="tx1"/>
-    </cs:fontRef>
-    <cs:spPr>
-      <a:solidFill>
-        <a:schemeClr val="bg1"/>
-      </a:solidFill>
-      <a:ln w="9525" cap="flat" cmpd="sng" algn="ctr">
-        <a:solidFill>
-          <a:schemeClr val="tx1">
-            <a:lumMod val="15000"/>
-            <a:lumOff val="85000"/>
-          </a:schemeClr>
-        </a:solidFill>
-        <a:round/>
-      </a:ln>
-    </cs:spPr>
-    <cs:defRPr sz="1330" kern="1200"/>
-  </cs:chartArea>
-  <cs:dataLabel>
-    <cs:lnRef idx="0"/>
-    <cs:fillRef idx="0"/>
-    <cs:effectRef idx="0"/>
-    <cs:fontRef idx="minor">
-      <a:schemeClr val="tx1">
-        <a:lumMod val="75000"/>
-        <a:lumOff val="25000"/>
-      </a:schemeClr>
-    </cs:fontRef>
-    <cs:defRPr sz="1197" kern="1200"/>
-  </cs:dataLabel>
-  <cs:dataLabelCallout>
-    <cs:lnRef idx="0"/>
-    <cs:fillRef idx="0"/>
-    <cs:effectRef idx="0"/>
-    <cs:fontRef idx="minor">
-      <a:schemeClr val="dk1">
-        <a:lumMod val="65000"/>
-        <a:lumOff val="35000"/>
-      </a:schemeClr>
-    </cs:fontRef>
-    <cs:spPr>
-      <a:solidFill>
-        <a:schemeClr val="lt1"/>
-      </a:solidFill>
-      <a:ln>
-        <a:solidFill>
-          <a:schemeClr val="dk1">
-            <a:lumMod val="25000"/>
-            <a:lumOff val="75000"/>
-          </a:schemeClr>
-        </a:solidFill>
-      </a:ln>
-    </cs:spPr>
-    <cs:defRPr sz="1197" kern="1200"/>
-    <cs:bodyPr rot="0" spcFirstLastPara="1" vertOverflow="clip" horzOverflow="clip" vert="horz" wrap="square" lIns="36576" tIns="18288" rIns="36576" bIns="18288" anchor="ctr" anchorCtr="1">
-      <a:spAutoFit/>
-    </cs:bodyPr>
-  </cs:dataLabelCallout>
-  <cs:dataPoint>
-    <cs:lnRef idx="0"/>
-    <cs:fillRef idx="1">
-      <cs:styleClr val="auto"/>
-    </cs:fillRef>
-    <cs:effectRef idx="0"/>
-    <cs:fontRef idx="minor">
-      <a:schemeClr val="tx1"/>
-    </cs:fontRef>
-  </cs:dataPoint>
-  <cs:dataPoint3D>
-    <cs:lnRef idx="0"/>
-    <cs:fillRef idx="1">
-      <cs:styleClr val="auto"/>
-    </cs:fillRef>
-    <cs:effectRef idx="0"/>
-    <cs:fontRef idx="minor">
-      <a:schemeClr val="tx1"/>
-    </cs:fontRef>
-  </cs:dataPoint3D>
-  <cs:dataPointLine>
-    <cs:lnRef idx="0">
-      <cs:styleClr val="auto"/>
-    </cs:lnRef>
-    <cs:fillRef idx="1"/>
-    <cs:effectRef idx="0"/>
-    <cs:fontRef idx="minor">
-      <a:schemeClr val="tx1"/>
-    </cs:fontRef>
-    <cs:spPr>
-      <a:ln w="28575" cap="rnd">
-        <a:solidFill>
-          <a:schemeClr val="phClr"/>
-        </a:solidFill>
-        <a:round/>
-      </a:ln>
-    </cs:spPr>
-  </cs:dataPointLine>
-  <cs:dataPointMarker>
-    <cs:lnRef idx="0">
-      <cs:styleClr val="auto"/>
-    </cs:lnRef>
-    <cs:fillRef idx="1">
-      <cs:styleClr val="auto"/>
-    </cs:fillRef>
-    <cs:effectRef idx="0"/>
-    <cs:fontRef idx="minor">
-      <a:schemeClr val="tx1"/>
-    </cs:fontRef>
-    <cs:spPr>
-      <a:ln w="9525">
-        <a:solidFill>
-          <a:schemeClr val="phClr"/>
-        </a:solidFill>
-      </a:ln>
-    </cs:spPr>
-  </cs:dataPointMarker>
-  <cs:dataPointMarkerLayout symbol="circle" size="5"/>
-  <cs:dataPointWireframe>
-    <cs:lnRef idx="0">
-      <cs:styleClr val="auto"/>
-    </cs:lnRef>
-    <cs:fillRef idx="1"/>
-    <cs:effectRef idx="0"/>
-    <cs:fontRef idx="minor">
-      <a:schemeClr val="tx1"/>
-    </cs:fontRef>
-    <cs:spPr>
-      <a:ln w="9525" cap="rnd">
-        <a:solidFill>
-          <a:schemeClr val="phClr"/>
-        </a:solidFill>
-        <a:round/>
-      </a:ln>
-    </cs:spPr>
-  </cs:dataPointWireframe>
-  <cs:dataTable>
-    <cs:lnRef idx="0"/>
-    <cs:fillRef idx="0"/>
-    <cs:effectRef idx="0"/>
-    <cs:fontRef idx="minor">
-      <a:schemeClr val="tx1">
-        <a:lumMod val="65000"/>
-        <a:lumOff val="35000"/>
-      </a:schemeClr>
-    </cs:fontRef>
-    <cs:spPr>
-      <a:noFill/>
-      <a:ln w="9525" cap="flat" cmpd="sng" algn="ctr">
-        <a:solidFill>
-          <a:schemeClr val="tx1">
-            <a:lumMod val="15000"/>
-            <a:lumOff val="85000"/>
-          </a:schemeClr>
-        </a:solidFill>
-        <a:round/>
-      </a:ln>
-    </cs:spPr>
-    <cs:defRPr sz="1197" kern="1200"/>
-  </cs:dataTable>
-  <cs:downBar>
-    <cs:lnRef idx="0"/>
-    <cs:fillRef idx="0"/>
-    <cs:effectRef idx="0"/>
-    <cs:fontRef idx="minor">
-      <a:schemeClr val="dk1"/>
-    </cs:fontRef>
-    <cs:spPr>
-      <a:solidFill>
-        <a:schemeClr val="dk1">
-          <a:lumMod val="65000"/>
-          <a:lumOff val="35000"/>
-        </a:schemeClr>
-      </a:solidFill>
-      <a:ln w="9525">
-        <a:solidFill>
-          <a:schemeClr val="tx1">
-            <a:lumMod val="65000"/>
-            <a:lumOff val="35000"/>
-          </a:schemeClr>
-        </a:solidFill>
-      </a:ln>
-    </cs:spPr>
-  </cs:downBar>
-  <cs:dropLine>
-    <cs:lnRef idx="0"/>
-    <cs:fillRef idx="0"/>
-    <cs:effectRef idx="0"/>
-    <cs:fontRef idx="minor">
-      <a:schemeClr val="tx1"/>
-    </cs:fontRef>
-    <cs:spPr>
-      <a:ln w="9525" cap="flat" cmpd="sng" algn="ctr">
-        <a:solidFill>
-          <a:schemeClr val="tx1">
-            <a:lumMod val="35000"/>
-            <a:lumOff val="65000"/>
-          </a:schemeClr>
-        </a:solidFill>
-        <a:round/>
-      </a:ln>
-    </cs:spPr>
-  </cs:dropLine>
-  <cs:errorBar>
-    <cs:lnRef idx="0"/>
-    <cs:fillRef idx="0"/>
-    <cs:effectRef idx="0"/>
-    <cs:fontRef idx="minor">
-      <a:schemeClr val="tx1"/>
-    </cs:fontRef>
-    <cs:spPr>
-      <a:ln w="9525" cap="flat" cmpd="sng" algn="ctr">
-        <a:solidFill>
-          <a:schemeClr val="tx1">
-            <a:lumMod val="65000"/>
-            <a:lumOff val="35000"/>
-          </a:schemeClr>
-        </a:solidFill>
-        <a:round/>
-      </a:ln>
-    </cs:spPr>
-  </cs:errorBar>
-  <cs:floor>
-    <cs:lnRef idx="0"/>
-    <cs:fillRef idx="0"/>
-    <cs:effectRef idx="0"/>
-    <cs:fontRef idx="minor">
-      <a:schemeClr val="tx1"/>
-    </cs:fontRef>
-    <cs:spPr>
-      <a:noFill/>
-      <a:ln>
-        <a:noFill/>
-      </a:ln>
-    </cs:spPr>
-  </cs:floor>
-  <cs:gridlineMajor>
-    <cs:lnRef idx="0"/>
-    <cs:fillRef idx="0"/>
-    <cs:effectRef idx="0"/>
-    <cs:fontRef idx="minor">
-      <a:schemeClr val="tx1"/>
-    </cs:fontRef>
-    <cs:spPr>
-      <a:ln w="9525" cap="flat" cmpd="sng" algn="ctr">
-        <a:solidFill>
-          <a:schemeClr val="tx1">
-            <a:lumMod val="15000"/>
-            <a:lumOff val="85000"/>
-          </a:schemeClr>
-        </a:solidFill>
-        <a:round/>
-      </a:ln>
-    </cs:spPr>
-  </cs:gridlineMajor>
-  <cs:gridlineMinor>
-    <cs:lnRef idx="0"/>
-    <cs:fillRef idx="0"/>
-    <cs:effectRef idx="0"/>
-    <cs:fontRef idx="minor">
-      <a:schemeClr val="tx1"/>
-    </cs:fontRef>
-    <cs:spPr>
-      <a:ln w="9525" cap="flat" cmpd="sng" algn="ctr">
-        <a:solidFill>
-          <a:schemeClr val="tx1">
-            <a:lumMod val="5000"/>
-            <a:lumOff val="95000"/>
-          </a:schemeClr>
-        </a:solidFill>
-        <a:round/>
-      </a:ln>
-    </cs:spPr>
-  </cs:gridlineMinor>
-  <cs:hiLoLine>
-    <cs:lnRef idx="0"/>
-    <cs:fillRef idx="0"/>
-    <cs:effectRef idx="0"/>
-    <cs:fontRef idx="minor">
-      <a:schemeClr val="tx1"/>
-    </cs:fontRef>
-    <cs:spPr>
-      <a:ln w="9525" cap="flat" cmpd="sng" algn="ctr">
-        <a:solidFill>
-          <a:schemeClr val="tx1">
-            <a:lumMod val="75000"/>
-            <a:lumOff val="25000"/>
-          </a:schemeClr>
-        </a:solidFill>
-        <a:round/>
-      </a:ln>
-    </cs:spPr>
-  </cs:hiLoLine>
-  <cs:leaderLine>
-    <cs:lnRef idx="0"/>
-    <cs:fillRef idx="0"/>
-    <cs:effectRef idx="0"/>
-    <cs:fontRef idx="minor">
-      <a:schemeClr val="tx1"/>
-    </cs:fontRef>
-    <cs:spPr>
-      <a:ln w="9525" cap="flat" cmpd="sng" algn="ctr">
-        <a:solidFill>
-          <a:schemeClr val="tx1">
-            <a:lumMod val="35000"/>
-            <a:lumOff val="65000"/>
-          </a:schemeClr>
-        </a:solidFill>
-        <a:round/>
-      </a:ln>
-    </cs:spPr>
-  </cs:leaderLine>
-  <cs:legend>
-    <cs:lnRef idx="0"/>
-    <cs:fillRef idx="0"/>
-    <cs:effectRef idx="0"/>
-    <cs:fontRef idx="minor">
-      <a:schemeClr val="tx1">
-        <a:lumMod val="65000"/>
-        <a:lumOff val="35000"/>
-      </a:schemeClr>
-    </cs:fontRef>
-    <cs:defRPr sz="1197" kern="1200"/>
-  </cs:legend>
-  <cs:plotArea mods="allowNoFillOverride allowNoLineOverride">
-    <cs:lnRef idx="0"/>
-    <cs:fillRef idx="0"/>
-    <cs:effectRef idx="0"/>
-    <cs:fontRef idx="minor">
-      <a:schemeClr val="tx1"/>
-    </cs:fontRef>
-  </cs:plotArea>
-  <cs:plotArea3D mods="allowNoFillOverride allowNoLineOverride">
-    <cs:lnRef idx="0"/>
-    <cs:fillRef idx="0"/>
-    <cs:effectRef idx="0"/>
-    <cs:fontRef idx="minor">
-      <a:schemeClr val="tx1"/>
-    </cs:fontRef>
-  </cs:plotArea3D>
-  <cs:seriesAxis>
-    <cs:lnRef idx="0"/>
-    <cs:fillRef idx="0"/>
-    <cs:effectRef idx="0"/>
-    <cs:fontRef idx="minor">
-      <a:schemeClr val="tx1">
-        <a:lumMod val="65000"/>
-        <a:lumOff val="35000"/>
-      </a:schemeClr>
-    </cs:fontRef>
-    <cs:defRPr sz="1197" kern="1200"/>
-  </cs:seriesAxis>
-  <cs:seriesLine>
-    <cs:lnRef idx="0"/>
-    <cs:fillRef idx="0"/>
-    <cs:effectRef idx="0"/>
-    <cs:fontRef idx="minor">
-      <a:schemeClr val="tx1"/>
-    </cs:fontRef>
-    <cs:spPr>
-      <a:ln w="9525" cap="flat" cmpd="sng" algn="ctr">
-        <a:solidFill>
-          <a:schemeClr val="tx1">
-            <a:lumMod val="35000"/>
-            <a:lumOff val="65000"/>
-          </a:schemeClr>
-        </a:solidFill>
-        <a:round/>
-      </a:ln>
-    </cs:spPr>
-  </cs:seriesLine>
-  <cs:title>
-    <cs:lnRef idx="0"/>
-    <cs:fillRef idx="0"/>
-    <cs:effectRef idx="0"/>
-    <cs:fontRef idx="minor">
-      <a:schemeClr val="tx1">
-        <a:lumMod val="65000"/>
-        <a:lumOff val="35000"/>
-      </a:schemeClr>
-    </cs:fontRef>
-    <cs:defRPr sz="1862" b="0" kern="1200" spc="0" baseline="0"/>
-  </cs:title>
-  <cs:trendline>
-    <cs:lnRef idx="0">
-      <cs:styleClr val="auto"/>
-    </cs:lnRef>
-    <cs:fillRef idx="0"/>
-    <cs:effectRef idx="0"/>
-    <cs:fontRef idx="minor">
-      <a:schemeClr val="tx1"/>
-    </cs:fontRef>
-    <cs:spPr>
-      <a:ln w="19050" cap="rnd">
-        <a:solidFill>
-          <a:schemeClr val="phClr"/>
-        </a:solidFill>
-        <a:prstDash val="sysDot"/>
-      </a:ln>
-    </cs:spPr>
-  </cs:trendline>
-  <cs:trendlineLabel>
-    <cs:lnRef idx="0"/>
-    <cs:fillRef idx="0"/>
-    <cs:effectRef idx="0"/>
-    <cs:fontRef idx="minor">
-      <a:schemeClr val="tx1">
-        <a:lumMod val="65000"/>
-        <a:lumOff val="35000"/>
-      </a:schemeClr>
-    </cs:fontRef>
-    <cs:defRPr sz="1197" kern="1200"/>
-  </cs:trendlineLabel>
-  <cs:upBar>
-    <cs:lnRef idx="0"/>
-    <cs:fillRef idx="0"/>
-    <cs:effectRef idx="0"/>
-    <cs:fontRef idx="minor">
-      <a:schemeClr val="dk1"/>
-    </cs:fontRef>
-    <cs:spPr>
-      <a:solidFill>
-        <a:schemeClr val="lt1"/>
-      </a:solidFill>
-      <a:ln w="9525">
-        <a:solidFill>
-          <a:schemeClr val="tx1">
-            <a:lumMod val="15000"/>
-            <a:lumOff val="85000"/>
-          </a:schemeClr>
-        </a:solidFill>
-      </a:ln>
-    </cs:spPr>
-  </cs:upBar>
-  <cs:valueAxis>
-    <cs:lnRef idx="0"/>
-    <cs:fillRef idx="0"/>
-    <cs:effectRef idx="0"/>
-    <cs:fontRef idx="minor">
-      <a:schemeClr val="tx1">
-        <a:lumMod val="65000"/>
-        <a:lumOff val="35000"/>
-      </a:schemeClr>
-    </cs:fontRef>
-    <cs:defRPr sz="1197" kern="1200"/>
-  </cs:valueAxis>
-  <cs:wall>
-    <cs:lnRef idx="0"/>
-    <cs:fillRef idx="0"/>
-    <cs:effectRef idx="0"/>
-    <cs:fontRef idx="minor">
-      <a:schemeClr val="tx1"/>
-    </cs:fontRef>
-    <cs:spPr>
-      <a:noFill/>
-      <a:ln>
-        <a:noFill/>
-      </a:ln>
-    </cs:spPr>
-  </cs:wall>
-</cs:chartStyle>
-</file>
-
-<file path=ppt/charts/style23.xml><?xml version="1.0" encoding="utf-8"?>
-<cs:chartStyle xmlns:cs="http://schemas.microsoft.com/office/drawing/2012/chartStyle" xmlns:a="http://schemas.openxmlformats.org/drawingml/2006/main" id="201">
-  <cs:axisTitle>
-    <cs:lnRef idx="0"/>
-    <cs:fillRef idx="0"/>
-    <cs:effectRef idx="0"/>
-    <cs:fontRef idx="minor">
-      <a:schemeClr val="tx1">
-        <a:lumMod val="65000"/>
-        <a:lumOff val="35000"/>
-      </a:schemeClr>
-    </cs:fontRef>
-    <cs:defRPr sz="1330" kern="1200"/>
-  </cs:axisTitle>
-  <cs:categoryAxis>
-    <cs:lnRef idx="0"/>
-    <cs:fillRef idx="0"/>
-    <cs:effectRef idx="0"/>
-    <cs:fontRef idx="minor">
-      <a:schemeClr val="tx1">
-        <a:lumMod val="65000"/>
-        <a:lumOff val="35000"/>
-      </a:schemeClr>
-    </cs:fontRef>
-    <cs:spPr>
-      <a:ln w="9525" cap="flat" cmpd="sng" algn="ctr">
-        <a:solidFill>
-          <a:schemeClr val="tx1">
-            <a:lumMod val="15000"/>
-            <a:lumOff val="85000"/>
-          </a:schemeClr>
-        </a:solidFill>
-        <a:round/>
-      </a:ln>
-    </cs:spPr>
-    <cs:defRPr sz="1197" kern="1200"/>
-  </cs:categoryAxis>
-  <cs:chartArea mods="allowNoFillOverride allowNoLineOverride">
-    <cs:lnRef idx="0"/>
-    <cs:fillRef idx="0"/>
-    <cs:effectRef idx="0"/>
-    <cs:fontRef idx="minor">
-      <a:schemeClr val="tx1"/>
-    </cs:fontRef>
-    <cs:spPr>
-      <a:solidFill>
-        <a:schemeClr val="bg1"/>
-      </a:solidFill>
-      <a:ln w="9525" cap="flat" cmpd="sng" algn="ctr">
-        <a:solidFill>
-          <a:schemeClr val="tx1">
-            <a:lumMod val="15000"/>
-            <a:lumOff val="85000"/>
-          </a:schemeClr>
-        </a:solidFill>
-        <a:round/>
-      </a:ln>
-    </cs:spPr>
-    <cs:defRPr sz="1330" kern="1200"/>
-  </cs:chartArea>
-  <cs:dataLabel>
-    <cs:lnRef idx="0"/>
-    <cs:fillRef idx="0"/>
-    <cs:effectRef idx="0"/>
-    <cs:fontRef idx="minor">
-      <a:schemeClr val="tx1">
-        <a:lumMod val="75000"/>
-        <a:lumOff val="25000"/>
-      </a:schemeClr>
-    </cs:fontRef>
-    <cs:defRPr sz="1197" kern="1200"/>
-  </cs:dataLabel>
-  <cs:dataLabelCallout>
-    <cs:lnRef idx="0"/>
-    <cs:fillRef idx="0"/>
-    <cs:effectRef idx="0"/>
-    <cs:fontRef idx="minor">
-      <a:schemeClr val="dk1">
-        <a:lumMod val="65000"/>
-        <a:lumOff val="35000"/>
-      </a:schemeClr>
-    </cs:fontRef>
-    <cs:spPr>
-      <a:solidFill>
-        <a:schemeClr val="lt1"/>
-      </a:solidFill>
-      <a:ln>
-        <a:solidFill>
-          <a:schemeClr val="dk1">
-            <a:lumMod val="25000"/>
-            <a:lumOff val="75000"/>
-          </a:schemeClr>
-        </a:solidFill>
-      </a:ln>
-    </cs:spPr>
-    <cs:defRPr sz="1197" kern="1200"/>
-    <cs:bodyPr rot="0" spcFirstLastPara="1" vertOverflow="clip" horzOverflow="clip" vert="horz" wrap="square" lIns="36576" tIns="18288" rIns="36576" bIns="18288" anchor="ctr" anchorCtr="1">
-      <a:spAutoFit/>
-    </cs:bodyPr>
-  </cs:dataLabelCallout>
-  <cs:dataPoint>
-    <cs:lnRef idx="0"/>
-    <cs:fillRef idx="1">
-      <cs:styleClr val="auto"/>
-    </cs:fillRef>
-    <cs:effectRef idx="0"/>
-    <cs:fontRef idx="minor">
-      <a:schemeClr val="tx1"/>
-    </cs:fontRef>
-  </cs:dataPoint>
-  <cs:dataPoint3D>
-    <cs:lnRef idx="0"/>
-    <cs:fillRef idx="1">
-      <cs:styleClr val="auto"/>
-    </cs:fillRef>
-    <cs:effectRef idx="0"/>
-    <cs:fontRef idx="minor">
-      <a:schemeClr val="tx1"/>
-    </cs:fontRef>
-  </cs:dataPoint3D>
-  <cs:dataPointLine>
-    <cs:lnRef idx="0">
-      <cs:styleClr val="auto"/>
-    </cs:lnRef>
-    <cs:fillRef idx="1"/>
-    <cs:effectRef idx="0"/>
-    <cs:fontRef idx="minor">
-      <a:schemeClr val="tx1"/>
-    </cs:fontRef>
-    <cs:spPr>
-      <a:ln w="28575" cap="rnd">
-        <a:solidFill>
-          <a:schemeClr val="phClr"/>
-        </a:solidFill>
-        <a:round/>
-      </a:ln>
-    </cs:spPr>
-  </cs:dataPointLine>
-  <cs:dataPointMarker>
-    <cs:lnRef idx="0">
-      <cs:styleClr val="auto"/>
-    </cs:lnRef>
-    <cs:fillRef idx="1">
-      <cs:styleClr val="auto"/>
-    </cs:fillRef>
-    <cs:effectRef idx="0"/>
-    <cs:fontRef idx="minor">
-      <a:schemeClr val="tx1"/>
-    </cs:fontRef>
-    <cs:spPr>
-      <a:ln w="9525">
-        <a:solidFill>
-          <a:schemeClr val="phClr"/>
-        </a:solidFill>
-      </a:ln>
-    </cs:spPr>
-  </cs:dataPointMarker>
-  <cs:dataPointMarkerLayout symbol="circle" size="5"/>
-  <cs:dataPointWireframe>
-    <cs:lnRef idx="0">
-      <cs:styleClr val="auto"/>
-    </cs:lnRef>
-    <cs:fillRef idx="1"/>
-    <cs:effectRef idx="0"/>
-    <cs:fontRef idx="minor">
-      <a:schemeClr val="tx1"/>
-    </cs:fontRef>
-    <cs:spPr>
-      <a:ln w="9525" cap="rnd">
-        <a:solidFill>
-          <a:schemeClr val="phClr"/>
-        </a:solidFill>
-        <a:round/>
-      </a:ln>
-    </cs:spPr>
-  </cs:dataPointWireframe>
-  <cs:dataTable>
-    <cs:lnRef idx="0"/>
-    <cs:fillRef idx="0"/>
-    <cs:effectRef idx="0"/>
-    <cs:fontRef idx="minor">
-      <a:schemeClr val="tx1">
-        <a:lumMod val="65000"/>
-        <a:lumOff val="35000"/>
-      </a:schemeClr>
-    </cs:fontRef>
-    <cs:spPr>
-      <a:noFill/>
-      <a:ln w="9525" cap="flat" cmpd="sng" algn="ctr">
-        <a:solidFill>
-          <a:schemeClr val="tx1">
-            <a:lumMod val="15000"/>
-            <a:lumOff val="85000"/>
-          </a:schemeClr>
-        </a:solidFill>
-        <a:round/>
-      </a:ln>
-    </cs:spPr>
-    <cs:defRPr sz="1197" kern="1200"/>
-  </cs:dataTable>
-  <cs:downBar>
-    <cs:lnRef idx="0"/>
-    <cs:fillRef idx="0"/>
-    <cs:effectRef idx="0"/>
-    <cs:fontRef idx="minor">
-      <a:schemeClr val="dk1"/>
-    </cs:fontRef>
-    <cs:spPr>
-      <a:solidFill>
-        <a:schemeClr val="dk1">
-          <a:lumMod val="65000"/>
-          <a:lumOff val="35000"/>
-        </a:schemeClr>
-      </a:solidFill>
-      <a:ln w="9525">
-        <a:solidFill>
-          <a:schemeClr val="tx1">
-            <a:lumMod val="65000"/>
-            <a:lumOff val="35000"/>
-          </a:schemeClr>
-        </a:solidFill>
-      </a:ln>
-    </cs:spPr>
-  </cs:downBar>
-  <cs:dropLine>
-    <cs:lnRef idx="0"/>
-    <cs:fillRef idx="0"/>
-    <cs:effectRef idx="0"/>
-    <cs:fontRef idx="minor">
-      <a:schemeClr val="tx1"/>
-    </cs:fontRef>
-    <cs:spPr>
-      <a:ln w="9525" cap="flat" cmpd="sng" algn="ctr">
-        <a:solidFill>
-          <a:schemeClr val="tx1">
-            <a:lumMod val="35000"/>
-            <a:lumOff val="65000"/>
-          </a:schemeClr>
-        </a:solidFill>
-        <a:round/>
-      </a:ln>
-    </cs:spPr>
-  </cs:dropLine>
-  <cs:errorBar>
-    <cs:lnRef idx="0"/>
-    <cs:fillRef idx="0"/>
-    <cs:effectRef idx="0"/>
-    <cs:fontRef idx="minor">
-      <a:schemeClr val="tx1"/>
-    </cs:fontRef>
-    <cs:spPr>
-      <a:ln w="9525" cap="flat" cmpd="sng" algn="ctr">
-        <a:solidFill>
-          <a:schemeClr val="tx1">
-            <a:lumMod val="65000"/>
-            <a:lumOff val="35000"/>
-          </a:schemeClr>
-        </a:solidFill>
-        <a:round/>
-      </a:ln>
-    </cs:spPr>
-  </cs:errorBar>
-  <cs:floor>
-    <cs:lnRef idx="0"/>
-    <cs:fillRef idx="0"/>
-    <cs:effectRef idx="0"/>
-    <cs:fontRef idx="minor">
-      <a:schemeClr val="tx1"/>
-    </cs:fontRef>
-    <cs:spPr>
-      <a:noFill/>
-      <a:ln>
-        <a:noFill/>
-      </a:ln>
-    </cs:spPr>
-  </cs:floor>
-  <cs:gridlineMajor>
-    <cs:lnRef idx="0"/>
-    <cs:fillRef idx="0"/>
-    <cs:effectRef idx="0"/>
-    <cs:fontRef idx="minor">
-      <a:schemeClr val="tx1"/>
-    </cs:fontRef>
-    <cs:spPr>
-      <a:ln w="9525" cap="flat" cmpd="sng" algn="ctr">
-        <a:solidFill>
-          <a:schemeClr val="tx1">
-            <a:lumMod val="15000"/>
-            <a:lumOff val="85000"/>
-          </a:schemeClr>
-        </a:solidFill>
-        <a:round/>
-      </a:ln>
-    </cs:spPr>
-  </cs:gridlineMajor>
-  <cs:gridlineMinor>
-    <cs:lnRef idx="0"/>
-    <cs:fillRef idx="0"/>
-    <cs:effectRef idx="0"/>
-    <cs:fontRef idx="minor">
-      <a:schemeClr val="tx1"/>
-    </cs:fontRef>
-    <cs:spPr>
-      <a:ln w="9525" cap="flat" cmpd="sng" algn="ctr">
-        <a:solidFill>
-          <a:schemeClr val="tx1">
-            <a:lumMod val="5000"/>
-            <a:lumOff val="95000"/>
-          </a:schemeClr>
-        </a:solidFill>
-        <a:round/>
-      </a:ln>
-    </cs:spPr>
-  </cs:gridlineMinor>
-  <cs:hiLoLine>
-    <cs:lnRef idx="0"/>
-    <cs:fillRef idx="0"/>
-    <cs:effectRef idx="0"/>
-    <cs:fontRef idx="minor">
-      <a:schemeClr val="tx1"/>
-    </cs:fontRef>
-    <cs:spPr>
-      <a:ln w="9525" cap="flat" cmpd="sng" algn="ctr">
-        <a:solidFill>
-          <a:schemeClr val="tx1">
-            <a:lumMod val="75000"/>
-            <a:lumOff val="25000"/>
-          </a:schemeClr>
-        </a:solidFill>
-        <a:round/>
-      </a:ln>
-    </cs:spPr>
-  </cs:hiLoLine>
-  <cs:leaderLine>
-    <cs:lnRef idx="0"/>
-    <cs:fillRef idx="0"/>
-    <cs:effectRef idx="0"/>
-    <cs:fontRef idx="minor">
-      <a:schemeClr val="tx1"/>
-    </cs:fontRef>
-    <cs:spPr>
-      <a:ln w="9525" cap="flat" cmpd="sng" algn="ctr">
-        <a:solidFill>
-          <a:schemeClr val="tx1">
-            <a:lumMod val="35000"/>
-            <a:lumOff val="65000"/>
-          </a:schemeClr>
-        </a:solidFill>
-        <a:round/>
-      </a:ln>
-    </cs:spPr>
-  </cs:leaderLine>
-  <cs:legend>
-    <cs:lnRef idx="0"/>
-    <cs:fillRef idx="0"/>
-    <cs:effectRef idx="0"/>
-    <cs:fontRef idx="minor">
-      <a:schemeClr val="tx1">
-        <a:lumMod val="65000"/>
-        <a:lumOff val="35000"/>
-      </a:schemeClr>
-    </cs:fontRef>
-    <cs:defRPr sz="1197" kern="1200"/>
-  </cs:legend>
-  <cs:plotArea mods="allowNoFillOverride allowNoLineOverride">
-    <cs:lnRef idx="0"/>
-    <cs:fillRef idx="0"/>
-    <cs:effectRef idx="0"/>
-    <cs:fontRef idx="minor">
-      <a:schemeClr val="tx1"/>
-    </cs:fontRef>
-  </cs:plotArea>
-  <cs:plotArea3D mods="allowNoFillOverride allowNoLineOverride">
-    <cs:lnRef idx="0"/>
-    <cs:fillRef idx="0"/>
-    <cs:effectRef idx="0"/>
-    <cs:fontRef idx="minor">
-      <a:schemeClr val="tx1"/>
-    </cs:fontRef>
-  </cs:plotArea3D>
-  <cs:seriesAxis>
-    <cs:lnRef idx="0"/>
-    <cs:fillRef idx="0"/>
-    <cs:effectRef idx="0"/>
-    <cs:fontRef idx="minor">
-      <a:schemeClr val="tx1">
-        <a:lumMod val="65000"/>
-        <a:lumOff val="35000"/>
-      </a:schemeClr>
-    </cs:fontRef>
-    <cs:defRPr sz="1197" kern="1200"/>
-  </cs:seriesAxis>
-  <cs:seriesLine>
-    <cs:lnRef idx="0"/>
-    <cs:fillRef idx="0"/>
-    <cs:effectRef idx="0"/>
-    <cs:fontRef idx="minor">
-      <a:schemeClr val="tx1"/>
-    </cs:fontRef>
-    <cs:spPr>
-      <a:ln w="9525" cap="flat" cmpd="sng" algn="ctr">
-        <a:solidFill>
-          <a:schemeClr val="tx1">
-            <a:lumMod val="35000"/>
-            <a:lumOff val="65000"/>
-          </a:schemeClr>
-        </a:solidFill>
-        <a:round/>
-      </a:ln>
-    </cs:spPr>
-  </cs:seriesLine>
-  <cs:title>
-    <cs:lnRef idx="0"/>
-    <cs:fillRef idx="0"/>
-    <cs:effectRef idx="0"/>
-    <cs:fontRef idx="minor">
-      <a:schemeClr val="tx1">
-        <a:lumMod val="65000"/>
-        <a:lumOff val="35000"/>
-      </a:schemeClr>
-    </cs:fontRef>
-    <cs:defRPr sz="1862" b="0" kern="1200" spc="0" baseline="0"/>
-  </cs:title>
-  <cs:trendline>
-    <cs:lnRef idx="0">
-      <cs:styleClr val="auto"/>
-    </cs:lnRef>
-    <cs:fillRef idx="0"/>
-    <cs:effectRef idx="0"/>
-    <cs:fontRef idx="minor">
-      <a:schemeClr val="tx1"/>
-    </cs:fontRef>
-    <cs:spPr>
-      <a:ln w="19050" cap="rnd">
-        <a:solidFill>
-          <a:schemeClr val="phClr"/>
-        </a:solidFill>
-        <a:prstDash val="sysDot"/>
-      </a:ln>
-    </cs:spPr>
-  </cs:trendline>
-  <cs:trendlineLabel>
-    <cs:lnRef idx="0"/>
-    <cs:fillRef idx="0"/>
-    <cs:effectRef idx="0"/>
-    <cs:fontRef idx="minor">
-      <a:schemeClr val="tx1">
-        <a:lumMod val="65000"/>
-        <a:lumOff val="35000"/>
-      </a:schemeClr>
-    </cs:fontRef>
-    <cs:defRPr sz="1197" kern="1200"/>
-  </cs:trendlineLabel>
-  <cs:upBar>
-    <cs:lnRef idx="0"/>
-    <cs:fillRef idx="0"/>
-    <cs:effectRef idx="0"/>
-    <cs:fontRef idx="minor">
-      <a:schemeClr val="dk1"/>
-    </cs:fontRef>
-    <cs:spPr>
-      <a:solidFill>
-        <a:schemeClr val="lt1"/>
-      </a:solidFill>
-      <a:ln w="9525">
-        <a:solidFill>
-          <a:schemeClr val="tx1">
-            <a:lumMod val="15000"/>
-            <a:lumOff val="85000"/>
-          </a:schemeClr>
-        </a:solidFill>
-      </a:ln>
-    </cs:spPr>
-  </cs:upBar>
-  <cs:valueAxis>
-    <cs:lnRef idx="0"/>
-    <cs:fillRef idx="0"/>
-    <cs:effectRef idx="0"/>
-    <cs:fontRef idx="minor">
-      <a:schemeClr val="tx1">
-        <a:lumMod val="65000"/>
-        <a:lumOff val="35000"/>
-      </a:schemeClr>
-    </cs:fontRef>
-    <cs:defRPr sz="1197" kern="1200"/>
-  </cs:valueAxis>
-  <cs:wall>
-    <cs:lnRef idx="0"/>
-    <cs:fillRef idx="0"/>
-    <cs:effectRef idx="0"/>
-    <cs:fontRef idx="minor">
-      <a:schemeClr val="tx1"/>
-    </cs:fontRef>
-    <cs:spPr>
-      <a:noFill/>
-      <a:ln>
-        <a:noFill/>
-      </a:ln>
-    </cs:spPr>
-  </cs:wall>
-</cs:chartStyle>
-</file>
-
-<file path=ppt/charts/style24.xml><?xml version="1.0" encoding="utf-8"?>
-<cs:chartStyle xmlns:cs="http://schemas.microsoft.com/office/drawing/2012/chartStyle" xmlns:a="http://schemas.openxmlformats.org/drawingml/2006/main" id="201">
-  <cs:axisTitle>
-    <cs:lnRef idx="0"/>
-    <cs:fillRef idx="0"/>
-    <cs:effectRef idx="0"/>
-    <cs:fontRef idx="minor">
-      <a:schemeClr val="tx1">
-        <a:lumMod val="65000"/>
-        <a:lumOff val="35000"/>
-      </a:schemeClr>
-    </cs:fontRef>
-    <cs:defRPr sz="1330" kern="1200"/>
-  </cs:axisTitle>
-  <cs:categoryAxis>
-    <cs:lnRef idx="0"/>
-    <cs:fillRef idx="0"/>
-    <cs:effectRef idx="0"/>
-    <cs:fontRef idx="minor">
-      <a:schemeClr val="tx1">
-        <a:lumMod val="65000"/>
-        <a:lumOff val="35000"/>
-      </a:schemeClr>
-    </cs:fontRef>
-    <cs:spPr>
-      <a:ln w="9525" cap="flat" cmpd="sng" algn="ctr">
-        <a:solidFill>
-          <a:schemeClr val="tx1">
-            <a:lumMod val="15000"/>
-            <a:lumOff val="85000"/>
-          </a:schemeClr>
-        </a:solidFill>
-        <a:round/>
-      </a:ln>
-    </cs:spPr>
-    <cs:defRPr sz="1197" kern="1200"/>
-  </cs:categoryAxis>
-  <cs:chartArea mods="allowNoFillOverride allowNoLineOverride">
-    <cs:lnRef idx="0"/>
-    <cs:fillRef idx="0"/>
-    <cs:effectRef idx="0"/>
-    <cs:fontRef idx="minor">
-      <a:schemeClr val="tx1"/>
-    </cs:fontRef>
-    <cs:spPr>
-      <a:solidFill>
-        <a:schemeClr val="bg1"/>
-      </a:solidFill>
-      <a:ln w="9525" cap="flat" cmpd="sng" algn="ctr">
-        <a:solidFill>
-          <a:schemeClr val="tx1">
-            <a:lumMod val="15000"/>
-            <a:lumOff val="85000"/>
-          </a:schemeClr>
-        </a:solidFill>
-        <a:round/>
-      </a:ln>
-    </cs:spPr>
-    <cs:defRPr sz="1330" kern="1200"/>
-  </cs:chartArea>
-  <cs:dataLabel>
-    <cs:lnRef idx="0"/>
-    <cs:fillRef idx="0"/>
-    <cs:effectRef idx="0"/>
-    <cs:fontRef idx="minor">
-      <a:schemeClr val="tx1">
-        <a:lumMod val="75000"/>
-        <a:lumOff val="25000"/>
-      </a:schemeClr>
-    </cs:fontRef>
-    <cs:defRPr sz="1197" kern="1200"/>
-  </cs:dataLabel>
-  <cs:dataLabelCallout>
-    <cs:lnRef idx="0"/>
-    <cs:fillRef idx="0"/>
-    <cs:effectRef idx="0"/>
-    <cs:fontRef idx="minor">
-      <a:schemeClr val="dk1">
-        <a:lumMod val="65000"/>
-        <a:lumOff val="35000"/>
-      </a:schemeClr>
-    </cs:fontRef>
-    <cs:spPr>
-      <a:solidFill>
-        <a:schemeClr val="lt1"/>
-      </a:solidFill>
-      <a:ln>
-        <a:solidFill>
-          <a:schemeClr val="dk1">
-            <a:lumMod val="25000"/>
-            <a:lumOff val="75000"/>
-          </a:schemeClr>
-        </a:solidFill>
-      </a:ln>
-    </cs:spPr>
-    <cs:defRPr sz="1197" kern="1200"/>
-    <cs:bodyPr rot="0" spcFirstLastPara="1" vertOverflow="clip" horzOverflow="clip" vert="horz" wrap="square" lIns="36576" tIns="18288" rIns="36576" bIns="18288" anchor="ctr" anchorCtr="1">
-      <a:spAutoFit/>
-    </cs:bodyPr>
-  </cs:dataLabelCallout>
-  <cs:dataPoint>
-    <cs:lnRef idx="0"/>
-    <cs:fillRef idx="1">
-      <cs:styleClr val="auto"/>
-    </cs:fillRef>
-    <cs:effectRef idx="0"/>
-    <cs:fontRef idx="minor">
-      <a:schemeClr val="tx1"/>
-    </cs:fontRef>
-  </cs:dataPoint>
-  <cs:dataPoint3D>
-    <cs:lnRef idx="0"/>
-    <cs:fillRef idx="1">
-      <cs:styleClr val="auto"/>
-    </cs:fillRef>
-    <cs:effectRef idx="0"/>
-    <cs:fontRef idx="minor">
-      <a:schemeClr val="tx1"/>
-    </cs:fontRef>
-  </cs:dataPoint3D>
-  <cs:dataPointLine>
-    <cs:lnRef idx="0">
-      <cs:styleClr val="auto"/>
-    </cs:lnRef>
-    <cs:fillRef idx="1"/>
-    <cs:effectRef idx="0"/>
-    <cs:fontRef idx="minor">
-      <a:schemeClr val="tx1"/>
-    </cs:fontRef>
-    <cs:spPr>
-      <a:ln w="28575" cap="rnd">
-        <a:solidFill>
-          <a:schemeClr val="phClr"/>
-        </a:solidFill>
-        <a:round/>
-      </a:ln>
-    </cs:spPr>
-  </cs:dataPointLine>
-  <cs:dataPointMarker>
-    <cs:lnRef idx="0">
-      <cs:styleClr val="auto"/>
-    </cs:lnRef>
-    <cs:fillRef idx="1">
-      <cs:styleClr val="auto"/>
-    </cs:fillRef>
-    <cs:effectRef idx="0"/>
-    <cs:fontRef idx="minor">
-      <a:schemeClr val="tx1"/>
-    </cs:fontRef>
-    <cs:spPr>
-      <a:ln w="9525">
-        <a:solidFill>
-          <a:schemeClr val="phClr"/>
-        </a:solidFill>
-      </a:ln>
-    </cs:spPr>
-  </cs:dataPointMarker>
-  <cs:dataPointMarkerLayout symbol="circle" size="5"/>
-  <cs:dataPointWireframe>
-    <cs:lnRef idx="0">
-      <cs:styleClr val="auto"/>
-    </cs:lnRef>
-    <cs:fillRef idx="1"/>
-    <cs:effectRef idx="0"/>
-    <cs:fontRef idx="minor">
-      <a:schemeClr val="tx1"/>
-    </cs:fontRef>
-    <cs:spPr>
-      <a:ln w="9525" cap="rnd">
-        <a:solidFill>
-          <a:schemeClr val="phClr"/>
-        </a:solidFill>
-        <a:round/>
-      </a:ln>
-    </cs:spPr>
-  </cs:dataPointWireframe>
-  <cs:dataTable>
-    <cs:lnRef idx="0"/>
-    <cs:fillRef idx="0"/>
-    <cs:effectRef idx="0"/>
-    <cs:fontRef idx="minor">
-      <a:schemeClr val="tx1">
-        <a:lumMod val="65000"/>
-        <a:lumOff val="35000"/>
-      </a:schemeClr>
-    </cs:fontRef>
-    <cs:spPr>
-      <a:noFill/>
-      <a:ln w="9525" cap="flat" cmpd="sng" algn="ctr">
-        <a:solidFill>
-          <a:schemeClr val="tx1">
-            <a:lumMod val="15000"/>
-            <a:lumOff val="85000"/>
-          </a:schemeClr>
-        </a:solidFill>
-        <a:round/>
-      </a:ln>
-    </cs:spPr>
-    <cs:defRPr sz="1197" kern="1200"/>
-  </cs:dataTable>
-  <cs:downBar>
-    <cs:lnRef idx="0"/>
-    <cs:fillRef idx="0"/>
-    <cs:effectRef idx="0"/>
-    <cs:fontRef idx="minor">
-      <a:schemeClr val="dk1"/>
-    </cs:fontRef>
-    <cs:spPr>
-      <a:solidFill>
-        <a:schemeClr val="dk1">
-          <a:lumMod val="65000"/>
-          <a:lumOff val="35000"/>
-        </a:schemeClr>
-      </a:solidFill>
-      <a:ln w="9525">
-        <a:solidFill>
-          <a:schemeClr val="tx1">
-            <a:lumMod val="65000"/>
-            <a:lumOff val="35000"/>
-          </a:schemeClr>
-        </a:solidFill>
-      </a:ln>
-    </cs:spPr>
-  </cs:downBar>
-  <cs:dropLine>
-    <cs:lnRef idx="0"/>
-    <cs:fillRef idx="0"/>
-    <cs:effectRef idx="0"/>
-    <cs:fontRef idx="minor">
-      <a:schemeClr val="tx1"/>
-    </cs:fontRef>
-    <cs:spPr>
-      <a:ln w="9525" cap="flat" cmpd="sng" algn="ctr">
-        <a:solidFill>
-          <a:schemeClr val="tx1">
-            <a:lumMod val="35000"/>
-            <a:lumOff val="65000"/>
-          </a:schemeClr>
-        </a:solidFill>
-        <a:round/>
-      </a:ln>
-    </cs:spPr>
-  </cs:dropLine>
-  <cs:errorBar>
-    <cs:lnRef idx="0"/>
-    <cs:fillRef idx="0"/>
-    <cs:effectRef idx="0"/>
-    <cs:fontRef idx="minor">
-      <a:schemeClr val="tx1"/>
-    </cs:fontRef>
-    <cs:spPr>
-      <a:ln w="9525" cap="flat" cmpd="sng" algn="ctr">
-        <a:solidFill>
-          <a:schemeClr val="tx1">
-            <a:lumMod val="65000"/>
-            <a:lumOff val="35000"/>
-          </a:schemeClr>
-        </a:solidFill>
-        <a:round/>
-      </a:ln>
-    </cs:spPr>
-  </cs:errorBar>
-  <cs:floor>
-    <cs:lnRef idx="0"/>
-    <cs:fillRef idx="0"/>
-    <cs:effectRef idx="0"/>
-    <cs:fontRef idx="minor">
-      <a:schemeClr val="tx1"/>
-    </cs:fontRef>
-    <cs:spPr>
-      <a:noFill/>
-      <a:ln>
-        <a:noFill/>
-      </a:ln>
-    </cs:spPr>
-  </cs:floor>
-  <cs:gridlineMajor>
-    <cs:lnRef idx="0"/>
-    <cs:fillRef idx="0"/>
-    <cs:effectRef idx="0"/>
-    <cs:fontRef idx="minor">
-      <a:schemeClr val="tx1"/>
-    </cs:fontRef>
-    <cs:spPr>
-      <a:ln w="9525" cap="flat" cmpd="sng" algn="ctr">
-        <a:solidFill>
-          <a:schemeClr val="tx1">
-            <a:lumMod val="15000"/>
-            <a:lumOff val="85000"/>
-          </a:schemeClr>
-        </a:solidFill>
-        <a:round/>
-      </a:ln>
-    </cs:spPr>
-  </cs:gridlineMajor>
-  <cs:gridlineMinor>
-    <cs:lnRef idx="0"/>
-    <cs:fillRef idx="0"/>
-    <cs:effectRef idx="0"/>
-    <cs:fontRef idx="minor">
-      <a:schemeClr val="tx1"/>
-    </cs:fontRef>
-    <cs:spPr>
-      <a:ln w="9525" cap="flat" cmpd="sng" algn="ctr">
-        <a:solidFill>
-          <a:schemeClr val="tx1">
-            <a:lumMod val="5000"/>
-            <a:lumOff val="95000"/>
-          </a:schemeClr>
-        </a:solidFill>
-        <a:round/>
-      </a:ln>
-    </cs:spPr>
-  </cs:gridlineMinor>
-  <cs:hiLoLine>
-    <cs:lnRef idx="0"/>
-    <cs:fillRef idx="0"/>
-    <cs:effectRef idx="0"/>
-    <cs:fontRef idx="minor">
-      <a:schemeClr val="tx1"/>
-    </cs:fontRef>
-    <cs:spPr>
-      <a:ln w="9525" cap="flat" cmpd="sng" algn="ctr">
-        <a:solidFill>
-          <a:schemeClr val="tx1">
-            <a:lumMod val="75000"/>
-            <a:lumOff val="25000"/>
-          </a:schemeClr>
-        </a:solidFill>
-        <a:round/>
-      </a:ln>
-    </cs:spPr>
-  </cs:hiLoLine>
-  <cs:leaderLine>
-    <cs:lnRef idx="0"/>
-    <cs:fillRef idx="0"/>
-    <cs:effectRef idx="0"/>
-    <cs:fontRef idx="minor">
-      <a:schemeClr val="tx1"/>
-    </cs:fontRef>
-    <cs:spPr>
-      <a:ln w="9525" cap="flat" cmpd="sng" algn="ctr">
-        <a:solidFill>
-          <a:schemeClr val="tx1">
-            <a:lumMod val="35000"/>
-            <a:lumOff val="65000"/>
-          </a:schemeClr>
-        </a:solidFill>
-        <a:round/>
-      </a:ln>
-    </cs:spPr>
-  </cs:leaderLine>
-  <cs:legend>
-    <cs:lnRef idx="0"/>
-    <cs:fillRef idx="0"/>
-    <cs:effectRef idx="0"/>
-    <cs:fontRef idx="minor">
-      <a:schemeClr val="tx1">
-        <a:lumMod val="65000"/>
-        <a:lumOff val="35000"/>
-      </a:schemeClr>
-    </cs:fontRef>
-    <cs:defRPr sz="1197" kern="1200"/>
-  </cs:legend>
-  <cs:plotArea mods="allowNoFillOverride allowNoLineOverride">
-    <cs:lnRef idx="0"/>
-    <cs:fillRef idx="0"/>
-    <cs:effectRef idx="0"/>
-    <cs:fontRef idx="minor">
-      <a:schemeClr val="tx1"/>
-    </cs:fontRef>
-  </cs:plotArea>
-  <cs:plotArea3D mods="allowNoFillOverride allowNoLineOverride">
-    <cs:lnRef idx="0"/>
-    <cs:fillRef idx="0"/>
-    <cs:effectRef idx="0"/>
-    <cs:fontRef idx="minor">
-      <a:schemeClr val="tx1"/>
-    </cs:fontRef>
-  </cs:plotArea3D>
-  <cs:seriesAxis>
-    <cs:lnRef idx="0"/>
-    <cs:fillRef idx="0"/>
-    <cs:effectRef idx="0"/>
-    <cs:fontRef idx="minor">
-      <a:schemeClr val="tx1">
-        <a:lumMod val="65000"/>
-        <a:lumOff val="35000"/>
-      </a:schemeClr>
-    </cs:fontRef>
-    <cs:defRPr sz="1197" kern="1200"/>
-  </cs:seriesAxis>
-  <cs:seriesLine>
-    <cs:lnRef idx="0"/>
-    <cs:fillRef idx="0"/>
-    <cs:effectRef idx="0"/>
-    <cs:fontRef idx="minor">
-      <a:schemeClr val="tx1"/>
-    </cs:fontRef>
-    <cs:spPr>
-      <a:ln w="9525" cap="flat" cmpd="sng" algn="ctr">
-        <a:solidFill>
-          <a:schemeClr val="tx1">
-            <a:lumMod val="35000"/>
-            <a:lumOff val="65000"/>
-          </a:schemeClr>
-        </a:solidFill>
-        <a:round/>
-      </a:ln>
-    </cs:spPr>
-  </cs:seriesLine>
-  <cs:title>
-    <cs:lnRef idx="0"/>
-    <cs:fillRef idx="0"/>
-    <cs:effectRef idx="0"/>
-    <cs:fontRef idx="minor">
-      <a:schemeClr val="tx1">
-        <a:lumMod val="65000"/>
-        <a:lumOff val="35000"/>
-      </a:schemeClr>
-    </cs:fontRef>
-    <cs:defRPr sz="1862" b="0" kern="1200" spc="0" baseline="0"/>
-  </cs:title>
-  <cs:trendline>
-    <cs:lnRef idx="0">
-      <cs:styleClr val="auto"/>
-    </cs:lnRef>
-    <cs:fillRef idx="0"/>
-    <cs:effectRef idx="0"/>
-    <cs:fontRef idx="minor">
-      <a:schemeClr val="tx1"/>
-    </cs:fontRef>
-    <cs:spPr>
-      <a:ln w="19050" cap="rnd">
-        <a:solidFill>
-          <a:schemeClr val="phClr"/>
-        </a:solidFill>
-        <a:prstDash val="sysDot"/>
-      </a:ln>
-    </cs:spPr>
-  </cs:trendline>
-  <cs:trendlineLabel>
-    <cs:lnRef idx="0"/>
-    <cs:fillRef idx="0"/>
-    <cs:effectRef idx="0"/>
-    <cs:fontRef idx="minor">
-      <a:schemeClr val="tx1">
-        <a:lumMod val="65000"/>
-        <a:lumOff val="35000"/>
-      </a:schemeClr>
-    </cs:fontRef>
-    <cs:defRPr sz="1197" kern="1200"/>
-  </cs:trendlineLabel>
-  <cs:upBar>
-    <cs:lnRef idx="0"/>
-    <cs:fillRef idx="0"/>
-    <cs:effectRef idx="0"/>
-    <cs:fontRef idx="minor">
-      <a:schemeClr val="dk1"/>
-    </cs:fontRef>
-    <cs:spPr>
-      <a:solidFill>
-        <a:schemeClr val="lt1"/>
-      </a:solidFill>
-      <a:ln w="9525">
-        <a:solidFill>
-          <a:schemeClr val="tx1">
-            <a:lumMod val="15000"/>
-            <a:lumOff val="85000"/>
-          </a:schemeClr>
-        </a:solidFill>
-      </a:ln>
-    </cs:spPr>
-  </cs:upBar>
-  <cs:valueAxis>
-    <cs:lnRef idx="0"/>
-    <cs:fillRef idx="0"/>
-    <cs:effectRef idx="0"/>
-    <cs:fontRef idx="minor">
-      <a:schemeClr val="tx1">
-        <a:lumMod val="65000"/>
-        <a:lumOff val="35000"/>
-      </a:schemeClr>
-    </cs:fontRef>
-    <cs:defRPr sz="1197" kern="1200"/>
-  </cs:valueAxis>
-  <cs:wall>
-    <cs:lnRef idx="0"/>
-    <cs:fillRef idx="0"/>
-    <cs:effectRef idx="0"/>
-    <cs:fontRef idx="minor">
-      <a:schemeClr val="tx1"/>
-    </cs:fontRef>
-    <cs:spPr>
-      <a:noFill/>
-      <a:ln>
-        <a:noFill/>
-      </a:ln>
-    </cs:spPr>
-  </cs:wall>
-</cs:chartStyle>
-</file>
-
-<file path=ppt/charts/style25.xml><?xml version="1.0" encoding="utf-8"?>
 <cs:chartStyle xmlns:cs="http://schemas.microsoft.com/office/drawing/2012/chartStyle" xmlns:a="http://schemas.openxmlformats.org/drawingml/2006/main" id="201">
   <cs:axisTitle>
     <cs:lnRef idx="0"/>
@@ -23004,7 +23014,7 @@
           <a:p>
             <a:fld id="{E3CF25FA-734C-4945-8888-9A54477BBBD9}" type="datetimeFigureOut">
               <a:rPr kumimoji="1" lang="ja-JP" altLang="en-US" smtClean="0"/>
-              <a:t>2019/12/12</a:t>
+              <a:t>2019/12/24</a:t>
             </a:fld>
             <a:endParaRPr kumimoji="1" lang="ja-JP" altLang="en-US"/>
           </a:p>
@@ -23605,7 +23615,7 @@
           <a:p>
             <a:fld id="{AD591BE1-5F21-45F9-98A6-15C8A4A2D2A2}" type="datetime1">
               <a:rPr kumimoji="1" lang="ja-JP" altLang="en-US" smtClean="0"/>
-              <a:t>2019/12/12</a:t>
+              <a:t>2019/12/24</a:t>
             </a:fld>
             <a:endParaRPr kumimoji="1" lang="ja-JP" altLang="en-US"/>
           </a:p>
@@ -23815,7 +23825,7 @@
           <a:p>
             <a:fld id="{6791A077-F637-48EF-BF39-D78463C3DD5E}" type="datetime1">
               <a:rPr kumimoji="1" lang="ja-JP" altLang="en-US" smtClean="0"/>
-              <a:t>2019/12/12</a:t>
+              <a:t>2019/12/24</a:t>
             </a:fld>
             <a:endParaRPr kumimoji="1" lang="ja-JP" altLang="en-US"/>
           </a:p>
@@ -24025,7 +24035,7 @@
           <a:p>
             <a:fld id="{771E23B9-0634-47E8-8EA2-8BE89CBE19EF}" type="datetime1">
               <a:rPr kumimoji="1" lang="ja-JP" altLang="en-US" smtClean="0"/>
-              <a:t>2019/12/12</a:t>
+              <a:t>2019/12/24</a:t>
             </a:fld>
             <a:endParaRPr kumimoji="1" lang="ja-JP" altLang="en-US"/>
           </a:p>
@@ -24263,7 +24273,7 @@
           <a:p>
             <a:fld id="{D36D5CAF-F0EF-44FA-920D-80F975A6F089}" type="datetime1">
               <a:rPr kumimoji="1" lang="ja-JP" altLang="en-US" smtClean="0"/>
-              <a:t>2019/12/12</a:t>
+              <a:t>2019/12/24</a:t>
             </a:fld>
             <a:endParaRPr kumimoji="1" lang="ja-JP" altLang="en-US"/>
           </a:p>
@@ -24518,7 +24528,7 @@
           <a:p>
             <a:fld id="{4483C9E8-A28E-476F-B414-875AB79C0FB7}" type="datetime1">
               <a:rPr kumimoji="1" lang="ja-JP" altLang="en-US" smtClean="0"/>
-              <a:t>2019/12/12</a:t>
+              <a:t>2019/12/24</a:t>
             </a:fld>
             <a:endParaRPr kumimoji="1" lang="ja-JP" altLang="en-US"/>
           </a:p>
@@ -24811,7 +24821,7 @@
           <a:p>
             <a:fld id="{CCFD62E7-DB60-49B3-846E-F7E3AB36F661}" type="datetime1">
               <a:rPr kumimoji="1" lang="ja-JP" altLang="en-US" smtClean="0"/>
-              <a:t>2019/12/12</a:t>
+              <a:t>2019/12/24</a:t>
             </a:fld>
             <a:endParaRPr kumimoji="1" lang="ja-JP" altLang="en-US"/>
           </a:p>
@@ -25239,7 +25249,7 @@
           <a:p>
             <a:fld id="{9E607201-CB2F-42A5-B1FD-A8ED016C5A5B}" type="datetime1">
               <a:rPr kumimoji="1" lang="ja-JP" altLang="en-US" smtClean="0"/>
-              <a:t>2019/12/12</a:t>
+              <a:t>2019/12/24</a:t>
             </a:fld>
             <a:endParaRPr kumimoji="1" lang="ja-JP" altLang="en-US"/>
           </a:p>
@@ -25356,7 +25366,7 @@
           <a:p>
             <a:fld id="{0DAD9D7D-54DB-41D4-9414-D7D139D36BE7}" type="datetime1">
               <a:rPr kumimoji="1" lang="ja-JP" altLang="en-US" smtClean="0"/>
-              <a:t>2019/12/12</a:t>
+              <a:t>2019/12/24</a:t>
             </a:fld>
             <a:endParaRPr kumimoji="1" lang="ja-JP" altLang="en-US"/>
           </a:p>
@@ -25451,7 +25461,7 @@
           <a:p>
             <a:fld id="{99B36CEC-A39C-412E-B37E-C4CE82DE0E2D}" type="datetime1">
               <a:rPr kumimoji="1" lang="ja-JP" altLang="en-US" smtClean="0"/>
-              <a:t>2019/12/12</a:t>
+              <a:t>2019/12/24</a:t>
             </a:fld>
             <a:endParaRPr kumimoji="1" lang="ja-JP" altLang="en-US"/>
           </a:p>
@@ -25758,7 +25768,7 @@
           <a:p>
             <a:fld id="{594841E0-E268-4728-B259-C5C94D004F1D}" type="datetime1">
               <a:rPr kumimoji="1" lang="ja-JP" altLang="en-US" smtClean="0"/>
-              <a:t>2019/12/12</a:t>
+              <a:t>2019/12/24</a:t>
             </a:fld>
             <a:endParaRPr kumimoji="1" lang="ja-JP" altLang="en-US"/>
           </a:p>
@@ -26010,7 +26020,7 @@
           <a:p>
             <a:fld id="{60C7867A-B6DE-4D2C-9ECF-6C9A8E6D33AB}" type="datetime1">
               <a:rPr kumimoji="1" lang="ja-JP" altLang="en-US" smtClean="0"/>
-              <a:t>2019/12/12</a:t>
+              <a:t>2019/12/24</a:t>
             </a:fld>
             <a:endParaRPr kumimoji="1" lang="ja-JP" altLang="en-US"/>
           </a:p>
@@ -26253,7 +26263,7 @@
           <a:p>
             <a:fld id="{52FD87F6-7BEF-48D1-9ED9-255368129127}" type="datetime1">
               <a:rPr kumimoji="1" lang="ja-JP" altLang="en-US" smtClean="0"/>
-              <a:t>2019/12/12</a:t>
+              <a:t>2019/12/24</a:t>
             </a:fld>
             <a:endParaRPr kumimoji="1" lang="ja-JP" altLang="en-US"/>
           </a:p>
@@ -27572,7 +27582,7 @@
         </p:txBody>
       </p:sp>
       <mc:AlternateContent xmlns:mc="http://schemas.openxmlformats.org/markup-compatibility/2006">
-        <mc:Choice xmlns:cx1="http://schemas.microsoft.com/office/drawing/2015/9/8/chartex" Requires="cx1">
+        <mc:Choice xmlns:cx1="http://schemas.microsoft.com/office/drawing/2015/9/8/chartex" xmlns="" Requires="cx1">
           <p:graphicFrame>
             <p:nvGraphicFramePr>
               <p:cNvPr id="8" name="コンテンツ プレースホルダー 7"/>
@@ -27682,7 +27692,7 @@
         </p:txBody>
       </p:sp>
       <mc:AlternateContent xmlns:mc="http://schemas.openxmlformats.org/markup-compatibility/2006">
-        <mc:Choice xmlns:cx1="http://schemas.microsoft.com/office/drawing/2015/9/8/chartex" Requires="cx1">
+        <mc:Choice xmlns:cx1="http://schemas.microsoft.com/office/drawing/2015/9/8/chartex" xmlns="" Requires="cx1">
           <p:graphicFrame>
             <p:nvGraphicFramePr>
               <p:cNvPr id="5" name="コンテンツ プレースホルダー 4">
@@ -27827,7 +27837,7 @@
         </p:txBody>
       </p:sp>
       <mc:AlternateContent xmlns:mc="http://schemas.openxmlformats.org/markup-compatibility/2006">
-        <mc:Choice xmlns:cx1="http://schemas.microsoft.com/office/drawing/2015/9/8/chartex" Requires="cx1">
+        <mc:Choice xmlns:cx1="http://schemas.microsoft.com/office/drawing/2015/9/8/chartex" xmlns="" Requires="cx1">
           <p:graphicFrame>
             <p:nvGraphicFramePr>
               <p:cNvPr id="5" name="グラフ 4"/>
@@ -28606,7 +28616,7 @@
         </p:txBody>
       </p:sp>
       <mc:AlternateContent xmlns:mc="http://schemas.openxmlformats.org/markup-compatibility/2006">
-        <mc:Choice xmlns:cx1="http://schemas.microsoft.com/office/drawing/2015/9/8/chartex" Requires="cx1">
+        <mc:Choice xmlns:cx1="http://schemas.microsoft.com/office/drawing/2015/9/8/chartex" xmlns="" Requires="cx1">
           <p:graphicFrame>
             <p:nvGraphicFramePr>
               <p:cNvPr id="8" name="コンテンツ プレースホルダー 7"/>
